--- a/Cours/BUT3-Cours2.pptx
+++ b/Cours/BUT3-Cours2.pptx
@@ -719,6 +719,280 @@
       </pc:sldChg>
     </pc:docChg>
   </pc:docChgLst>
+  <pc:docChgLst>
+    <pc:chgData name="Benjamin Robert" userId="bdf697ffd98a8826" providerId="LiveId" clId="{BAE0B02E-EB89-4593-87A8-4EFD4697154C}"/>
+    <pc:docChg chg="undo custSel modSld">
+      <pc:chgData name="Benjamin Robert" userId="bdf697ffd98a8826" providerId="LiveId" clId="{BAE0B02E-EB89-4593-87A8-4EFD4697154C}" dt="2024-11-01T16:42:58.712" v="33"/>
+      <pc:docMkLst>
+        <pc:docMk/>
+      </pc:docMkLst>
+      <pc:sldChg chg="modSp mod">
+        <pc:chgData name="Benjamin Robert" userId="bdf697ffd98a8826" providerId="LiveId" clId="{BAE0B02E-EB89-4593-87A8-4EFD4697154C}" dt="2024-11-01T16:36:40.767" v="3" actId="20577"/>
+        <pc:sldMkLst>
+          <pc:docMk/>
+          <pc:sldMk cId="3992679617" sldId="257"/>
+        </pc:sldMkLst>
+        <pc:spChg chg="mod">
+          <ac:chgData name="Benjamin Robert" userId="bdf697ffd98a8826" providerId="LiveId" clId="{BAE0B02E-EB89-4593-87A8-4EFD4697154C}" dt="2024-11-01T16:36:40.767" v="3" actId="20577"/>
+          <ac:spMkLst>
+            <pc:docMk/>
+            <pc:sldMk cId="3992679617" sldId="257"/>
+            <ac:spMk id="8" creationId="{70EC97A9-C9C2-E981-DD31-BC49159387F3}"/>
+          </ac:spMkLst>
+        </pc:spChg>
+      </pc:sldChg>
+      <pc:sldChg chg="addSp delSp modSp mod">
+        <pc:chgData name="Benjamin Robert" userId="bdf697ffd98a8826" providerId="LiveId" clId="{BAE0B02E-EB89-4593-87A8-4EFD4697154C}" dt="2024-11-01T16:41:16.955" v="19"/>
+        <pc:sldMkLst>
+          <pc:docMk/>
+          <pc:sldMk cId="2482331802" sldId="262"/>
+        </pc:sldMkLst>
+        <pc:spChg chg="del mod">
+          <ac:chgData name="Benjamin Robert" userId="bdf697ffd98a8826" providerId="LiveId" clId="{BAE0B02E-EB89-4593-87A8-4EFD4697154C}" dt="2024-11-01T16:39:39.127" v="6" actId="478"/>
+          <ac:spMkLst>
+            <pc:docMk/>
+            <pc:sldMk cId="2482331802" sldId="262"/>
+            <ac:spMk id="2" creationId="{943ED34C-BB50-6E1C-EF0C-36ABE7323345}"/>
+          </ac:spMkLst>
+        </pc:spChg>
+        <pc:spChg chg="del">
+          <ac:chgData name="Benjamin Robert" userId="bdf697ffd98a8826" providerId="LiveId" clId="{BAE0B02E-EB89-4593-87A8-4EFD4697154C}" dt="2024-11-01T16:41:16.206" v="18" actId="478"/>
+          <ac:spMkLst>
+            <pc:docMk/>
+            <pc:sldMk cId="2482331802" sldId="262"/>
+            <ac:spMk id="4" creationId="{87D9624F-3089-C5D1-08D2-A716E09F8947}"/>
+          </ac:spMkLst>
+        </pc:spChg>
+        <pc:spChg chg="add del mod">
+          <ac:chgData name="Benjamin Robert" userId="bdf697ffd98a8826" providerId="LiveId" clId="{BAE0B02E-EB89-4593-87A8-4EFD4697154C}" dt="2024-11-01T16:39:42.513" v="7" actId="478"/>
+          <ac:spMkLst>
+            <pc:docMk/>
+            <pc:sldMk cId="2482331802" sldId="262"/>
+            <ac:spMk id="5" creationId="{D0298913-47EA-906F-3351-DB9DD8678499}"/>
+          </ac:spMkLst>
+        </pc:spChg>
+        <pc:spChg chg="add mod">
+          <ac:chgData name="Benjamin Robert" userId="bdf697ffd98a8826" providerId="LiveId" clId="{BAE0B02E-EB89-4593-87A8-4EFD4697154C}" dt="2024-11-01T16:39:42.830" v="8"/>
+          <ac:spMkLst>
+            <pc:docMk/>
+            <pc:sldMk cId="2482331802" sldId="262"/>
+            <ac:spMk id="7" creationId="{5CF97F49-AA9F-96C2-C680-4ACD18172EE5}"/>
+          </ac:spMkLst>
+        </pc:spChg>
+        <pc:spChg chg="add mod">
+          <ac:chgData name="Benjamin Robert" userId="bdf697ffd98a8826" providerId="LiveId" clId="{BAE0B02E-EB89-4593-87A8-4EFD4697154C}" dt="2024-11-01T16:41:16.955" v="19"/>
+          <ac:spMkLst>
+            <pc:docMk/>
+            <pc:sldMk cId="2482331802" sldId="262"/>
+            <ac:spMk id="8" creationId="{EE024624-B130-CF32-F2FC-5DD5785F9F8D}"/>
+          </ac:spMkLst>
+        </pc:spChg>
+      </pc:sldChg>
+      <pc:sldChg chg="addSp delSp modSp mod">
+        <pc:chgData name="Benjamin Robert" userId="bdf697ffd98a8826" providerId="LiveId" clId="{BAE0B02E-EB89-4593-87A8-4EFD4697154C}" dt="2024-11-01T16:41:21.885" v="21"/>
+        <pc:sldMkLst>
+          <pc:docMk/>
+          <pc:sldMk cId="3315754511" sldId="264"/>
+        </pc:sldMkLst>
+        <pc:spChg chg="del">
+          <ac:chgData name="Benjamin Robert" userId="bdf697ffd98a8826" providerId="LiveId" clId="{BAE0B02E-EB89-4593-87A8-4EFD4697154C}" dt="2024-11-01T16:39:51.846" v="9" actId="478"/>
+          <ac:spMkLst>
+            <pc:docMk/>
+            <pc:sldMk cId="3315754511" sldId="264"/>
+            <ac:spMk id="2" creationId="{943ED34C-BB50-6E1C-EF0C-36ABE7323345}"/>
+          </ac:spMkLst>
+        </pc:spChg>
+        <pc:spChg chg="add del mod">
+          <ac:chgData name="Benjamin Robert" userId="bdf697ffd98a8826" providerId="LiveId" clId="{BAE0B02E-EB89-4593-87A8-4EFD4697154C}" dt="2024-11-01T16:39:54.854" v="10" actId="478"/>
+          <ac:spMkLst>
+            <pc:docMk/>
+            <pc:sldMk cId="3315754511" sldId="264"/>
+            <ac:spMk id="4" creationId="{472251C7-47BC-4DB1-C918-9A6FA83ED867}"/>
+          </ac:spMkLst>
+        </pc:spChg>
+        <pc:spChg chg="del">
+          <ac:chgData name="Benjamin Robert" userId="bdf697ffd98a8826" providerId="LiveId" clId="{BAE0B02E-EB89-4593-87A8-4EFD4697154C}" dt="2024-11-01T16:41:21.594" v="20" actId="478"/>
+          <ac:spMkLst>
+            <pc:docMk/>
+            <pc:sldMk cId="3315754511" sldId="264"/>
+            <ac:spMk id="5" creationId="{53245AB4-99C1-398F-CD7E-8D9F6575A78F}"/>
+          </ac:spMkLst>
+        </pc:spChg>
+        <pc:spChg chg="add del mod">
+          <ac:chgData name="Benjamin Robert" userId="bdf697ffd98a8826" providerId="LiveId" clId="{BAE0B02E-EB89-4593-87A8-4EFD4697154C}" dt="2024-11-01T16:40:05.287" v="12" actId="478"/>
+          <ac:spMkLst>
+            <pc:docMk/>
+            <pc:sldMk cId="3315754511" sldId="264"/>
+            <ac:spMk id="6" creationId="{E37F11DB-9424-3B9A-7BDA-C5586A153330}"/>
+          </ac:spMkLst>
+        </pc:spChg>
+        <pc:spChg chg="add del mod">
+          <ac:chgData name="Benjamin Robert" userId="bdf697ffd98a8826" providerId="LiveId" clId="{BAE0B02E-EB89-4593-87A8-4EFD4697154C}" dt="2024-11-01T16:40:07.877" v="13" actId="478"/>
+          <ac:spMkLst>
+            <pc:docMk/>
+            <pc:sldMk cId="3315754511" sldId="264"/>
+            <ac:spMk id="8" creationId="{CE9B3C11-32BC-8C08-8414-FD8A197CAE86}"/>
+          </ac:spMkLst>
+        </pc:spChg>
+        <pc:spChg chg="add mod">
+          <ac:chgData name="Benjamin Robert" userId="bdf697ffd98a8826" providerId="LiveId" clId="{BAE0B02E-EB89-4593-87A8-4EFD4697154C}" dt="2024-11-01T16:40:08.806" v="14"/>
+          <ac:spMkLst>
+            <pc:docMk/>
+            <pc:sldMk cId="3315754511" sldId="264"/>
+            <ac:spMk id="9" creationId="{AFDD433B-F937-E1AD-B7B2-A36CA7E06ACA}"/>
+          </ac:spMkLst>
+        </pc:spChg>
+        <pc:spChg chg="add mod">
+          <ac:chgData name="Benjamin Robert" userId="bdf697ffd98a8826" providerId="LiveId" clId="{BAE0B02E-EB89-4593-87A8-4EFD4697154C}" dt="2024-11-01T16:41:21.885" v="21"/>
+          <ac:spMkLst>
+            <pc:docMk/>
+            <pc:sldMk cId="3315754511" sldId="264"/>
+            <ac:spMk id="11" creationId="{734F3402-F1C9-8E1E-E577-1581977F9EF9}"/>
+          </ac:spMkLst>
+        </pc:spChg>
+      </pc:sldChg>
+      <pc:sldChg chg="addSp delSp modSp mod">
+        <pc:chgData name="Benjamin Robert" userId="bdf697ffd98a8826" providerId="LiveId" clId="{BAE0B02E-EB89-4593-87A8-4EFD4697154C}" dt="2024-11-01T16:42:53.558" v="31"/>
+        <pc:sldMkLst>
+          <pc:docMk/>
+          <pc:sldMk cId="2180008669" sldId="268"/>
+        </pc:sldMkLst>
+        <pc:spChg chg="add mod">
+          <ac:chgData name="Benjamin Robert" userId="bdf697ffd98a8826" providerId="LiveId" clId="{BAE0B02E-EB89-4593-87A8-4EFD4697154C}" dt="2024-11-01T16:42:35.631" v="29"/>
+          <ac:spMkLst>
+            <pc:docMk/>
+            <pc:sldMk cId="2180008669" sldId="268"/>
+            <ac:spMk id="3" creationId="{C7A004FB-98B0-FB36-222A-1BC4AEE84301}"/>
+          </ac:spMkLst>
+        </pc:spChg>
+        <pc:spChg chg="del">
+          <ac:chgData name="Benjamin Robert" userId="bdf697ffd98a8826" providerId="LiveId" clId="{BAE0B02E-EB89-4593-87A8-4EFD4697154C}" dt="2024-11-01T16:42:35.245" v="28" actId="478"/>
+          <ac:spMkLst>
+            <pc:docMk/>
+            <pc:sldMk cId="2180008669" sldId="268"/>
+            <ac:spMk id="6" creationId="{E3B5B8F1-2EDB-AF71-0407-F124EF306678}"/>
+          </ac:spMkLst>
+        </pc:spChg>
+        <pc:spChg chg="del">
+          <ac:chgData name="Benjamin Robert" userId="bdf697ffd98a8826" providerId="LiveId" clId="{BAE0B02E-EB89-4593-87A8-4EFD4697154C}" dt="2024-11-01T16:42:53.319" v="30" actId="478"/>
+          <ac:spMkLst>
+            <pc:docMk/>
+            <pc:sldMk cId="2180008669" sldId="268"/>
+            <ac:spMk id="7" creationId="{D4AA2446-5520-53A3-D946-C342B598E736}"/>
+          </ac:spMkLst>
+        </pc:spChg>
+        <pc:spChg chg="add mod">
+          <ac:chgData name="Benjamin Robert" userId="bdf697ffd98a8826" providerId="LiveId" clId="{BAE0B02E-EB89-4593-87A8-4EFD4697154C}" dt="2024-11-01T16:42:53.558" v="31"/>
+          <ac:spMkLst>
+            <pc:docMk/>
+            <pc:sldMk cId="2180008669" sldId="268"/>
+            <ac:spMk id="14" creationId="{9986BFE3-390A-4D3B-93D4-BB2312CBAEBC}"/>
+          </ac:spMkLst>
+        </pc:spChg>
+      </pc:sldChg>
+      <pc:sldChg chg="addSp delSp modSp mod">
+        <pc:chgData name="Benjamin Robert" userId="bdf697ffd98a8826" providerId="LiveId" clId="{BAE0B02E-EB89-4593-87A8-4EFD4697154C}" dt="2024-11-01T16:42:29.826" v="27"/>
+        <pc:sldMkLst>
+          <pc:docMk/>
+          <pc:sldMk cId="3431075668" sldId="272"/>
+        </pc:sldMkLst>
+        <pc:spChg chg="add mod">
+          <ac:chgData name="Benjamin Robert" userId="bdf697ffd98a8826" providerId="LiveId" clId="{BAE0B02E-EB89-4593-87A8-4EFD4697154C}" dt="2024-11-01T16:42:29.826" v="27"/>
+          <ac:spMkLst>
+            <pc:docMk/>
+            <pc:sldMk cId="3431075668" sldId="272"/>
+            <ac:spMk id="3" creationId="{01994174-18D3-EE79-132A-0F8BFF2E2A46}"/>
+          </ac:spMkLst>
+        </pc:spChg>
+        <pc:spChg chg="del">
+          <ac:chgData name="Benjamin Robert" userId="bdf697ffd98a8826" providerId="LiveId" clId="{BAE0B02E-EB89-4593-87A8-4EFD4697154C}" dt="2024-11-01T16:42:29.010" v="26" actId="478"/>
+          <ac:spMkLst>
+            <pc:docMk/>
+            <pc:sldMk cId="3431075668" sldId="272"/>
+            <ac:spMk id="6" creationId="{E3B5B8F1-2EDB-AF71-0407-F124EF306678}"/>
+          </ac:spMkLst>
+        </pc:spChg>
+      </pc:sldChg>
+      <pc:sldChg chg="addSp delSp modSp mod">
+        <pc:chgData name="Benjamin Robert" userId="bdf697ffd98a8826" providerId="LiveId" clId="{BAE0B02E-EB89-4593-87A8-4EFD4697154C}" dt="2024-11-01T16:42:58.712" v="33"/>
+        <pc:sldMkLst>
+          <pc:docMk/>
+          <pc:sldMk cId="2345905708" sldId="273"/>
+        </pc:sldMkLst>
+        <pc:spChg chg="add del mod">
+          <ac:chgData name="Benjamin Robert" userId="bdf697ffd98a8826" providerId="LiveId" clId="{BAE0B02E-EB89-4593-87A8-4EFD4697154C}" dt="2024-11-01T16:41:49.224" v="24" actId="478"/>
+          <ac:spMkLst>
+            <pc:docMk/>
+            <pc:sldMk cId="2345905708" sldId="273"/>
+            <ac:spMk id="3" creationId="{77120E49-795C-A85F-EF38-E09D7838C6B3}"/>
+          </ac:spMkLst>
+        </pc:spChg>
+        <pc:spChg chg="del">
+          <ac:chgData name="Benjamin Robert" userId="bdf697ffd98a8826" providerId="LiveId" clId="{BAE0B02E-EB89-4593-87A8-4EFD4697154C}" dt="2024-11-01T16:41:37.929" v="22" actId="478"/>
+          <ac:spMkLst>
+            <pc:docMk/>
+            <pc:sldMk cId="2345905708" sldId="273"/>
+            <ac:spMk id="6" creationId="{E3B5B8F1-2EDB-AF71-0407-F124EF306678}"/>
+          </ac:spMkLst>
+        </pc:spChg>
+        <pc:spChg chg="del">
+          <ac:chgData name="Benjamin Robert" userId="bdf697ffd98a8826" providerId="LiveId" clId="{BAE0B02E-EB89-4593-87A8-4EFD4697154C}" dt="2024-11-01T16:42:58.437" v="32" actId="478"/>
+          <ac:spMkLst>
+            <pc:docMk/>
+            <pc:sldMk cId="2345905708" sldId="273"/>
+            <ac:spMk id="7" creationId="{D4AA2446-5520-53A3-D946-C342B598E736}"/>
+          </ac:spMkLst>
+        </pc:spChg>
+        <pc:spChg chg="add mod">
+          <ac:chgData name="Benjamin Robert" userId="bdf697ffd98a8826" providerId="LiveId" clId="{BAE0B02E-EB89-4593-87A8-4EFD4697154C}" dt="2024-11-01T16:41:49.484" v="25"/>
+          <ac:spMkLst>
+            <pc:docMk/>
+            <pc:sldMk cId="2345905708" sldId="273"/>
+            <ac:spMk id="8" creationId="{22BF6912-A971-268F-0F65-2D76B53D911A}"/>
+          </ac:spMkLst>
+        </pc:spChg>
+        <pc:spChg chg="add mod">
+          <ac:chgData name="Benjamin Robert" userId="bdf697ffd98a8826" providerId="LiveId" clId="{BAE0B02E-EB89-4593-87A8-4EFD4697154C}" dt="2024-11-01T16:42:58.712" v="33"/>
+          <ac:spMkLst>
+            <pc:docMk/>
+            <pc:sldMk cId="2345905708" sldId="273"/>
+            <ac:spMk id="11" creationId="{1F8194CF-4072-1BE7-B565-6B2B41F958BE}"/>
+          </ac:spMkLst>
+        </pc:spChg>
+      </pc:sldChg>
+      <pc:sldChg chg="addSp delSp modSp mod">
+        <pc:chgData name="Benjamin Robert" userId="bdf697ffd98a8826" providerId="LiveId" clId="{BAE0B02E-EB89-4593-87A8-4EFD4697154C}" dt="2024-11-01T16:40:27.606" v="17"/>
+        <pc:sldMkLst>
+          <pc:docMk/>
+          <pc:sldMk cId="2146532103" sldId="275"/>
+        </pc:sldMkLst>
+        <pc:spChg chg="add del mod">
+          <ac:chgData name="Benjamin Robert" userId="bdf697ffd98a8826" providerId="LiveId" clId="{BAE0B02E-EB89-4593-87A8-4EFD4697154C}" dt="2024-11-01T16:40:26.902" v="16" actId="478"/>
+          <ac:spMkLst>
+            <pc:docMk/>
+            <pc:sldMk cId="2146532103" sldId="275"/>
+            <ac:spMk id="3" creationId="{B77C99D0-669F-EE3D-9B13-9523392A7DA2}"/>
+          </ac:spMkLst>
+        </pc:spChg>
+        <pc:spChg chg="add mod">
+          <ac:chgData name="Benjamin Robert" userId="bdf697ffd98a8826" providerId="LiveId" clId="{BAE0B02E-EB89-4593-87A8-4EFD4697154C}" dt="2024-11-01T16:40:27.606" v="17"/>
+          <ac:spMkLst>
+            <pc:docMk/>
+            <pc:sldMk cId="2146532103" sldId="275"/>
+            <ac:spMk id="4" creationId="{549F885D-AC65-6560-1502-0476A61BE931}"/>
+          </ac:spMkLst>
+        </pc:spChg>
+        <pc:spChg chg="del">
+          <ac:chgData name="Benjamin Robert" userId="bdf697ffd98a8826" providerId="LiveId" clId="{BAE0B02E-EB89-4593-87A8-4EFD4697154C}" dt="2024-11-01T16:40:24.348" v="15" actId="478"/>
+          <ac:spMkLst>
+            <pc:docMk/>
+            <pc:sldMk cId="2146532103" sldId="275"/>
+            <ac:spMk id="5" creationId="{A4CF6579-6522-2E9D-6332-10959F673843}"/>
+          </ac:spMkLst>
+        </pc:spChg>
+      </pc:sldChg>
+    </pc:docChg>
+  </pc:docChgLst>
 </pc:chgInfo>
 </file>
 
@@ -869,7 +1143,7 @@
           <a:p>
             <a:fld id="{324681DF-B029-4FEC-BAF0-BCA82235DDD4}" type="datetimeFigureOut">
               <a:rPr lang="fr-FR" smtClean="0"/>
-              <a:t>15/11/2023</a:t>
+              <a:t>01/11/2024</a:t>
             </a:fld>
             <a:endParaRPr lang="fr-FR"/>
           </a:p>
@@ -1067,7 +1341,7 @@
           <a:p>
             <a:fld id="{324681DF-B029-4FEC-BAF0-BCA82235DDD4}" type="datetimeFigureOut">
               <a:rPr lang="fr-FR" smtClean="0"/>
-              <a:t>15/11/2023</a:t>
+              <a:t>01/11/2024</a:t>
             </a:fld>
             <a:endParaRPr lang="fr-FR"/>
           </a:p>
@@ -1275,7 +1549,7 @@
           <a:p>
             <a:fld id="{324681DF-B029-4FEC-BAF0-BCA82235DDD4}" type="datetimeFigureOut">
               <a:rPr lang="fr-FR" smtClean="0"/>
-              <a:t>15/11/2023</a:t>
+              <a:t>01/11/2024</a:t>
             </a:fld>
             <a:endParaRPr lang="fr-FR"/>
           </a:p>
@@ -1473,7 +1747,7 @@
           <a:p>
             <a:fld id="{324681DF-B029-4FEC-BAF0-BCA82235DDD4}" type="datetimeFigureOut">
               <a:rPr lang="fr-FR" smtClean="0"/>
-              <a:t>15/11/2023</a:t>
+              <a:t>01/11/2024</a:t>
             </a:fld>
             <a:endParaRPr lang="fr-FR"/>
           </a:p>
@@ -1748,7 +2022,7 @@
           <a:p>
             <a:fld id="{324681DF-B029-4FEC-BAF0-BCA82235DDD4}" type="datetimeFigureOut">
               <a:rPr lang="fr-FR" smtClean="0"/>
-              <a:t>15/11/2023</a:t>
+              <a:t>01/11/2024</a:t>
             </a:fld>
             <a:endParaRPr lang="fr-FR"/>
           </a:p>
@@ -2013,7 +2287,7 @@
           <a:p>
             <a:fld id="{324681DF-B029-4FEC-BAF0-BCA82235DDD4}" type="datetimeFigureOut">
               <a:rPr lang="fr-FR" smtClean="0"/>
-              <a:t>15/11/2023</a:t>
+              <a:t>01/11/2024</a:t>
             </a:fld>
             <a:endParaRPr lang="fr-FR"/>
           </a:p>
@@ -2425,7 +2699,7 @@
           <a:p>
             <a:fld id="{324681DF-B029-4FEC-BAF0-BCA82235DDD4}" type="datetimeFigureOut">
               <a:rPr lang="fr-FR" smtClean="0"/>
-              <a:t>15/11/2023</a:t>
+              <a:t>01/11/2024</a:t>
             </a:fld>
             <a:endParaRPr lang="fr-FR"/>
           </a:p>
@@ -2566,7 +2840,7 @@
           <a:p>
             <a:fld id="{324681DF-B029-4FEC-BAF0-BCA82235DDD4}" type="datetimeFigureOut">
               <a:rPr lang="fr-FR" smtClean="0"/>
-              <a:t>15/11/2023</a:t>
+              <a:t>01/11/2024</a:t>
             </a:fld>
             <a:endParaRPr lang="fr-FR"/>
           </a:p>
@@ -2679,7 +2953,7 @@
           <a:p>
             <a:fld id="{324681DF-B029-4FEC-BAF0-BCA82235DDD4}" type="datetimeFigureOut">
               <a:rPr lang="fr-FR" smtClean="0"/>
-              <a:t>15/11/2023</a:t>
+              <a:t>01/11/2024</a:t>
             </a:fld>
             <a:endParaRPr lang="fr-FR"/>
           </a:p>
@@ -2990,7 +3264,7 @@
           <a:p>
             <a:fld id="{324681DF-B029-4FEC-BAF0-BCA82235DDD4}" type="datetimeFigureOut">
               <a:rPr lang="fr-FR" smtClean="0"/>
-              <a:t>15/11/2023</a:t>
+              <a:t>01/11/2024</a:t>
             </a:fld>
             <a:endParaRPr lang="fr-FR"/>
           </a:p>
@@ -3278,7 +3552,7 @@
           <a:p>
             <a:fld id="{324681DF-B029-4FEC-BAF0-BCA82235DDD4}" type="datetimeFigureOut">
               <a:rPr lang="fr-FR" smtClean="0"/>
-              <a:t>15/11/2023</a:t>
+              <a:t>01/11/2024</a:t>
             </a:fld>
             <a:endParaRPr lang="fr-FR"/>
           </a:p>
@@ -3519,7 +3793,7 @@
           <a:p>
             <a:fld id="{324681DF-B029-4FEC-BAF0-BCA82235DDD4}" type="datetimeFigureOut">
               <a:rPr lang="fr-FR" smtClean="0"/>
-              <a:t>15/11/2023</a:t>
+              <a:t>01/11/2024</a:t>
             </a:fld>
             <a:endParaRPr lang="fr-FR"/>
           </a:p>
@@ -4133,7 +4407,7 @@
             <a:pPr algn="ctr"/>
             <a:r>
               <a:rPr lang="fr-FR" dirty="0"/>
-              <a:t>16/11/2023</a:t>
+              <a:t>14/11/2024</a:t>
             </a:r>
           </a:p>
         </p:txBody>
@@ -4248,41 +4522,6 @@
       </p:grpSpPr>
       <p:sp>
         <p:nvSpPr>
-          <p:cNvPr id="5" name="Titre 1">
-            <a:extLst>
-              <a:ext uri="{FF2B5EF4-FFF2-40B4-BE49-F238E27FC236}">
-                <a16:creationId xmlns:a16="http://schemas.microsoft.com/office/drawing/2014/main" id="{A4CF6579-6522-2E9D-6332-10959F673843}"/>
-              </a:ext>
-            </a:extLst>
-          </p:cNvPr>
-          <p:cNvSpPr>
-            <a:spLocks noGrp="1"/>
-          </p:cNvSpPr>
-          <p:nvPr>
-            <p:ph type="title"/>
-          </p:nvPr>
-        </p:nvSpPr>
-        <p:spPr>
-          <a:xfrm>
-            <a:off x="905692" y="0"/>
-            <a:ext cx="10515600" cy="1325563"/>
-          </a:xfrm>
-        </p:spPr>
-        <p:txBody>
-          <a:bodyPr>
-            <a:normAutofit/>
-          </a:bodyPr>
-          <a:lstStyle/>
-          <a:p>
-            <a:r>
-              <a:rPr lang="fr-FR" sz="3600" dirty="0"/>
-              <a:t>Comment gérer ses erreurs dans Git ?</a:t>
-            </a:r>
-          </a:p>
-        </p:txBody>
-      </p:sp>
-      <p:sp>
-        <p:nvSpPr>
           <p:cNvPr id="6" name="Titre 1">
             <a:extLst>
               <a:ext uri="{FF2B5EF4-FFF2-40B4-BE49-F238E27FC236}">
@@ -4486,6 +4725,41 @@
           </a:p>
           <a:p>
             <a:endParaRPr lang="fr-FR" sz="1800" dirty="0"/>
+          </a:p>
+        </p:txBody>
+      </p:sp>
+      <p:sp>
+        <p:nvSpPr>
+          <p:cNvPr id="4" name="Titre 1">
+            <a:extLst>
+              <a:ext uri="{FF2B5EF4-FFF2-40B4-BE49-F238E27FC236}">
+                <a16:creationId xmlns:a16="http://schemas.microsoft.com/office/drawing/2014/main" id="{549F885D-AC65-6560-1502-0476A61BE931}"/>
+              </a:ext>
+            </a:extLst>
+          </p:cNvPr>
+          <p:cNvSpPr>
+            <a:spLocks noGrp="1"/>
+          </p:cNvSpPr>
+          <p:nvPr>
+            <p:ph type="title"/>
+          </p:nvPr>
+        </p:nvSpPr>
+        <p:spPr>
+          <a:xfrm>
+            <a:off x="905692" y="0"/>
+            <a:ext cx="10515600" cy="1325563"/>
+          </a:xfrm>
+        </p:spPr>
+        <p:txBody>
+          <a:bodyPr>
+            <a:normAutofit/>
+          </a:bodyPr>
+          <a:lstStyle/>
+          <a:p>
+            <a:r>
+              <a:rPr lang="fr-FR" sz="3600" dirty="0"/>
+              <a:t>Comment gérer ses erreurs dans Git ?</a:t>
+            </a:r>
           </a:p>
         </p:txBody>
       </p:sp>
@@ -5191,206 +5465,6 @@
               <a:rPr lang="fr-FR" sz="3600" dirty="0"/>
               <a:t>Comment gérer ses erreurs dans Git ?</a:t>
             </a:r>
-          </a:p>
-        </p:txBody>
-      </p:sp>
-      <p:sp>
-        <p:nvSpPr>
-          <p:cNvPr id="6" name="Titre 1">
-            <a:extLst>
-              <a:ext uri="{FF2B5EF4-FFF2-40B4-BE49-F238E27FC236}">
-                <a16:creationId xmlns:a16="http://schemas.microsoft.com/office/drawing/2014/main" id="{E3B5B8F1-2EDB-AF71-0407-F124EF306678}"/>
-              </a:ext>
-            </a:extLst>
-          </p:cNvPr>
-          <p:cNvSpPr txBox="1">
-            <a:spLocks/>
-          </p:cNvSpPr>
-          <p:nvPr/>
-        </p:nvSpPr>
-        <p:spPr>
-          <a:xfrm>
-            <a:off x="265611" y="857795"/>
-            <a:ext cx="10515600" cy="1325563"/>
-          </a:xfrm>
-          <a:prstGeom prst="rect">
-            <a:avLst/>
-          </a:prstGeom>
-        </p:spPr>
-        <p:txBody>
-          <a:bodyPr vert="horz" lIns="91440" tIns="45720" rIns="91440" bIns="45720" rtlCol="0" anchor="ctr">
-            <a:normAutofit/>
-          </a:bodyPr>
-          <a:lstStyle>
-            <a:lvl1pPr algn="l" defTabSz="914400" rtl="0" eaLnBrk="1" latinLnBrk="0" hangingPunct="1">
-              <a:lnSpc>
-                <a:spcPct val="90000"/>
-              </a:lnSpc>
-              <a:spcBef>
-                <a:spcPct val="0"/>
-              </a:spcBef>
-              <a:buNone/>
-              <a:defRPr sz="4400" kern="1200">
-                <a:solidFill>
-                  <a:schemeClr val="tx1"/>
-                </a:solidFill>
-                <a:latin typeface="+mj-lt"/>
-                <a:ea typeface="+mj-ea"/>
-                <a:cs typeface="+mj-cs"/>
-              </a:defRPr>
-            </a:lvl1pPr>
-          </a:lstStyle>
-          <a:p>
-            <a:r>
-              <a:rPr lang="fr-FR" sz="2400" u="sng" dirty="0"/>
-              <a:t>J’ai fais une modification sur la branche principale</a:t>
-            </a:r>
-          </a:p>
-        </p:txBody>
-      </p:sp>
-      <p:sp>
-        <p:nvSpPr>
-          <p:cNvPr id="7" name="ZoneTexte 6">
-            <a:extLst>
-              <a:ext uri="{FF2B5EF4-FFF2-40B4-BE49-F238E27FC236}">
-                <a16:creationId xmlns:a16="http://schemas.microsoft.com/office/drawing/2014/main" id="{D4AA2446-5520-53A3-D946-C342B598E736}"/>
-              </a:ext>
-            </a:extLst>
-          </p:cNvPr>
-          <p:cNvSpPr txBox="1"/>
-          <p:nvPr/>
-        </p:nvSpPr>
-        <p:spPr>
-          <a:xfrm>
-            <a:off x="242303" y="1499666"/>
-            <a:ext cx="4268737" cy="3892732"/>
-          </a:xfrm>
-          <a:prstGeom prst="rect">
-            <a:avLst/>
-          </a:prstGeom>
-          <a:noFill/>
-        </p:spPr>
-        <p:txBody>
-          <a:bodyPr wrap="square" rtlCol="0">
-            <a:spAutoFit/>
-          </a:bodyPr>
-          <a:lstStyle/>
-          <a:p>
-            <a:pPr>
-              <a:lnSpc>
-                <a:spcPct val="200000"/>
-              </a:lnSpc>
-            </a:pPr>
-            <a:r>
-              <a:rPr lang="fr-FR" b="1" u="sng" dirty="0">
-                <a:solidFill>
-                  <a:srgbClr val="00B050"/>
-                </a:solidFill>
-              </a:rPr>
-              <a:t>Niveau facile</a:t>
-            </a:r>
-            <a:r>
-              <a:rPr lang="fr-FR" sz="3600" b="0" i="0" dirty="0">
-                <a:solidFill>
-                  <a:srgbClr val="E8EAED"/>
-                </a:solidFill>
-                <a:effectLst/>
-                <a:latin typeface="Google Sans"/>
-              </a:rPr>
-              <a:t>😏</a:t>
-            </a:r>
-            <a:endParaRPr lang="fr-FR" sz="3600" dirty="0"/>
-          </a:p>
-          <a:p>
-            <a:pPr>
-              <a:lnSpc>
-                <a:spcPct val="200000"/>
-              </a:lnSpc>
-            </a:pPr>
-            <a:r>
-              <a:rPr lang="fr-FR" dirty="0"/>
-              <a:t>Je n’ai rien indexé </a:t>
-            </a:r>
-            <a:r>
-              <a:rPr lang="fr-FR" dirty="0">
-                <a:sym typeface="Wingdings" panose="05000000000000000000" pitchFamily="2" charset="2"/>
-              </a:rPr>
-              <a:t> Je peux </a:t>
-            </a:r>
-            <a:r>
-              <a:rPr lang="fr-FR" dirty="0" err="1">
-                <a:sym typeface="Wingdings" panose="05000000000000000000" pitchFamily="2" charset="2"/>
-              </a:rPr>
-              <a:t>checkout</a:t>
-            </a:r>
-            <a:endParaRPr lang="fr-FR" dirty="0">
-              <a:sym typeface="Wingdings" panose="05000000000000000000" pitchFamily="2" charset="2"/>
-            </a:endParaRPr>
-          </a:p>
-          <a:p>
-            <a:pPr>
-              <a:lnSpc>
-                <a:spcPct val="200000"/>
-              </a:lnSpc>
-            </a:pPr>
-            <a:r>
-              <a:rPr lang="fr-FR" b="1" u="sng" dirty="0">
-                <a:solidFill>
-                  <a:srgbClr val="FFC000"/>
-                </a:solidFill>
-                <a:sym typeface="Wingdings" panose="05000000000000000000" pitchFamily="2" charset="2"/>
-              </a:rPr>
-              <a:t>Niveau intermédiaire </a:t>
-            </a:r>
-            <a:r>
-              <a:rPr lang="fr-FR" sz="3600" b="0" i="0" dirty="0">
-                <a:solidFill>
-                  <a:srgbClr val="E8EAED"/>
-                </a:solidFill>
-                <a:effectLst/>
-                <a:latin typeface="Arial" panose="020B0604020202020204" pitchFamily="34" charset="0"/>
-                <a:cs typeface="Arial" panose="020B0604020202020204" pitchFamily="34" charset="0"/>
-              </a:rPr>
-              <a:t>🤭</a:t>
-            </a:r>
-            <a:endParaRPr lang="fr-FR" sz="3600" dirty="0">
-              <a:latin typeface="Arial" panose="020B0604020202020204" pitchFamily="34" charset="0"/>
-              <a:cs typeface="Arial" panose="020B0604020202020204" pitchFamily="34" charset="0"/>
-              <a:sym typeface="Wingdings" panose="05000000000000000000" pitchFamily="2" charset="2"/>
-            </a:endParaRPr>
-          </a:p>
-          <a:p>
-            <a:pPr>
-              <a:lnSpc>
-                <a:spcPct val="200000"/>
-              </a:lnSpc>
-            </a:pPr>
-            <a:r>
-              <a:rPr lang="fr-FR" dirty="0">
-                <a:sym typeface="Wingdings" panose="05000000000000000000" pitchFamily="2" charset="2"/>
-              </a:rPr>
-              <a:t>J’ai indexé  Je peux remiser (</a:t>
-            </a:r>
-            <a:r>
-              <a:rPr lang="fr-FR" dirty="0" err="1">
-                <a:sym typeface="Wingdings" panose="05000000000000000000" pitchFamily="2" charset="2"/>
-              </a:rPr>
-              <a:t>stash</a:t>
-            </a:r>
-            <a:r>
-              <a:rPr lang="fr-FR" dirty="0">
-                <a:sym typeface="Wingdings" panose="05000000000000000000" pitchFamily="2" charset="2"/>
-              </a:rPr>
-              <a:t>)</a:t>
-            </a:r>
-          </a:p>
-          <a:p>
-            <a:pPr>
-              <a:lnSpc>
-                <a:spcPct val="200000"/>
-              </a:lnSpc>
-            </a:pPr>
-            <a:endParaRPr lang="fr-FR" dirty="0"/>
           </a:p>
         </p:txBody>
       </p:sp>
@@ -5946,6 +6020,206 @@
           </p:txBody>
         </p:sp>
       </p:grpSp>
+      <p:sp>
+        <p:nvSpPr>
+          <p:cNvPr id="8" name="Titre 1">
+            <a:extLst>
+              <a:ext uri="{FF2B5EF4-FFF2-40B4-BE49-F238E27FC236}">
+                <a16:creationId xmlns:a16="http://schemas.microsoft.com/office/drawing/2014/main" id="{22BF6912-A971-268F-0F65-2D76B53D911A}"/>
+              </a:ext>
+            </a:extLst>
+          </p:cNvPr>
+          <p:cNvSpPr txBox="1">
+            <a:spLocks/>
+          </p:cNvSpPr>
+          <p:nvPr/>
+        </p:nvSpPr>
+        <p:spPr>
+          <a:xfrm>
+            <a:off x="265611" y="857795"/>
+            <a:ext cx="10515600" cy="1325563"/>
+          </a:xfrm>
+          <a:prstGeom prst="rect">
+            <a:avLst/>
+          </a:prstGeom>
+        </p:spPr>
+        <p:txBody>
+          <a:bodyPr vert="horz" lIns="91440" tIns="45720" rIns="91440" bIns="45720" rtlCol="0" anchor="ctr">
+            <a:normAutofit/>
+          </a:bodyPr>
+          <a:lstStyle>
+            <a:lvl1pPr algn="l" defTabSz="914400" rtl="0" eaLnBrk="1" latinLnBrk="0" hangingPunct="1">
+              <a:lnSpc>
+                <a:spcPct val="90000"/>
+              </a:lnSpc>
+              <a:spcBef>
+                <a:spcPct val="0"/>
+              </a:spcBef>
+              <a:buNone/>
+              <a:defRPr sz="4400" kern="1200">
+                <a:solidFill>
+                  <a:schemeClr val="tx1"/>
+                </a:solidFill>
+                <a:latin typeface="+mj-lt"/>
+                <a:ea typeface="+mj-ea"/>
+                <a:cs typeface="+mj-cs"/>
+              </a:defRPr>
+            </a:lvl1pPr>
+          </a:lstStyle>
+          <a:p>
+            <a:r>
+              <a:rPr lang="fr-FR" sz="2400" u="sng" dirty="0"/>
+              <a:t>J’ai fais une modification sur la branche principale</a:t>
+            </a:r>
+          </a:p>
+        </p:txBody>
+      </p:sp>
+      <p:sp>
+        <p:nvSpPr>
+          <p:cNvPr id="11" name="ZoneTexte 10">
+            <a:extLst>
+              <a:ext uri="{FF2B5EF4-FFF2-40B4-BE49-F238E27FC236}">
+                <a16:creationId xmlns:a16="http://schemas.microsoft.com/office/drawing/2014/main" id="{1F8194CF-4072-1BE7-B565-6B2B41F958BE}"/>
+              </a:ext>
+            </a:extLst>
+          </p:cNvPr>
+          <p:cNvSpPr txBox="1"/>
+          <p:nvPr/>
+        </p:nvSpPr>
+        <p:spPr>
+          <a:xfrm>
+            <a:off x="242303" y="1499666"/>
+            <a:ext cx="4268737" cy="3892732"/>
+          </a:xfrm>
+          <a:prstGeom prst="rect">
+            <a:avLst/>
+          </a:prstGeom>
+          <a:noFill/>
+        </p:spPr>
+        <p:txBody>
+          <a:bodyPr wrap="square" rtlCol="0">
+            <a:spAutoFit/>
+          </a:bodyPr>
+          <a:lstStyle/>
+          <a:p>
+            <a:pPr>
+              <a:lnSpc>
+                <a:spcPct val="200000"/>
+              </a:lnSpc>
+            </a:pPr>
+            <a:r>
+              <a:rPr lang="fr-FR" b="1" u="sng" dirty="0">
+                <a:solidFill>
+                  <a:srgbClr val="00B050"/>
+                </a:solidFill>
+              </a:rPr>
+              <a:t>Niveau facile</a:t>
+            </a:r>
+            <a:r>
+              <a:rPr lang="fr-FR" sz="3600" b="0" i="0" dirty="0">
+                <a:solidFill>
+                  <a:srgbClr val="E8EAED"/>
+                </a:solidFill>
+                <a:effectLst/>
+                <a:latin typeface="Google Sans"/>
+              </a:rPr>
+              <a:t>😏</a:t>
+            </a:r>
+            <a:endParaRPr lang="fr-FR" sz="3600" dirty="0"/>
+          </a:p>
+          <a:p>
+            <a:pPr>
+              <a:lnSpc>
+                <a:spcPct val="200000"/>
+              </a:lnSpc>
+            </a:pPr>
+            <a:r>
+              <a:rPr lang="fr-FR" dirty="0"/>
+              <a:t>Je n’ai rien indexé </a:t>
+            </a:r>
+            <a:r>
+              <a:rPr lang="fr-FR" dirty="0">
+                <a:sym typeface="Wingdings" panose="05000000000000000000" pitchFamily="2" charset="2"/>
+              </a:rPr>
+              <a:t> Je peux </a:t>
+            </a:r>
+            <a:r>
+              <a:rPr lang="fr-FR" dirty="0" err="1">
+                <a:sym typeface="Wingdings" panose="05000000000000000000" pitchFamily="2" charset="2"/>
+              </a:rPr>
+              <a:t>checkout</a:t>
+            </a:r>
+            <a:endParaRPr lang="fr-FR" dirty="0">
+              <a:sym typeface="Wingdings" panose="05000000000000000000" pitchFamily="2" charset="2"/>
+            </a:endParaRPr>
+          </a:p>
+          <a:p>
+            <a:pPr>
+              <a:lnSpc>
+                <a:spcPct val="200000"/>
+              </a:lnSpc>
+            </a:pPr>
+            <a:r>
+              <a:rPr lang="fr-FR" b="1" u="sng" dirty="0">
+                <a:solidFill>
+                  <a:srgbClr val="FFC000"/>
+                </a:solidFill>
+                <a:sym typeface="Wingdings" panose="05000000000000000000" pitchFamily="2" charset="2"/>
+              </a:rPr>
+              <a:t>Niveau intermédiaire </a:t>
+            </a:r>
+            <a:r>
+              <a:rPr lang="fr-FR" sz="3600" b="0" i="0" dirty="0">
+                <a:solidFill>
+                  <a:srgbClr val="E8EAED"/>
+                </a:solidFill>
+                <a:effectLst/>
+                <a:latin typeface="Arial" panose="020B0604020202020204" pitchFamily="34" charset="0"/>
+                <a:cs typeface="Arial" panose="020B0604020202020204" pitchFamily="34" charset="0"/>
+              </a:rPr>
+              <a:t>🤭</a:t>
+            </a:r>
+            <a:endParaRPr lang="fr-FR" sz="3600" dirty="0">
+              <a:latin typeface="Arial" panose="020B0604020202020204" pitchFamily="34" charset="0"/>
+              <a:cs typeface="Arial" panose="020B0604020202020204" pitchFamily="34" charset="0"/>
+              <a:sym typeface="Wingdings" panose="05000000000000000000" pitchFamily="2" charset="2"/>
+            </a:endParaRPr>
+          </a:p>
+          <a:p>
+            <a:pPr>
+              <a:lnSpc>
+                <a:spcPct val="200000"/>
+              </a:lnSpc>
+            </a:pPr>
+            <a:r>
+              <a:rPr lang="fr-FR" dirty="0">
+                <a:sym typeface="Wingdings" panose="05000000000000000000" pitchFamily="2" charset="2"/>
+              </a:rPr>
+              <a:t>J’ai indexé  Je peux remiser (</a:t>
+            </a:r>
+            <a:r>
+              <a:rPr lang="fr-FR" dirty="0" err="1">
+                <a:sym typeface="Wingdings" panose="05000000000000000000" pitchFamily="2" charset="2"/>
+              </a:rPr>
+              <a:t>stash</a:t>
+            </a:r>
+            <a:r>
+              <a:rPr lang="fr-FR" dirty="0">
+                <a:sym typeface="Wingdings" panose="05000000000000000000" pitchFamily="2" charset="2"/>
+              </a:rPr>
+              <a:t>)</a:t>
+            </a:r>
+          </a:p>
+          <a:p>
+            <a:pPr>
+              <a:lnSpc>
+                <a:spcPct val="200000"/>
+              </a:lnSpc>
+            </a:pPr>
+            <a:endParaRPr lang="fr-FR" dirty="0"/>
+          </a:p>
+        </p:txBody>
+      </p:sp>
     </p:spTree>
     <p:extLst>
       <p:ext uri="{BB962C8B-B14F-4D97-AF65-F5344CB8AC3E}">
@@ -6007,60 +6281,6 @@
             <a:r>
               <a:rPr lang="fr-FR" sz="3600" dirty="0"/>
               <a:t>Comment gérer ses erreurs dans Git ?</a:t>
-            </a:r>
-          </a:p>
-        </p:txBody>
-      </p:sp>
-      <p:sp>
-        <p:nvSpPr>
-          <p:cNvPr id="6" name="Titre 1">
-            <a:extLst>
-              <a:ext uri="{FF2B5EF4-FFF2-40B4-BE49-F238E27FC236}">
-                <a16:creationId xmlns:a16="http://schemas.microsoft.com/office/drawing/2014/main" id="{E3B5B8F1-2EDB-AF71-0407-F124EF306678}"/>
-              </a:ext>
-            </a:extLst>
-          </p:cNvPr>
-          <p:cNvSpPr txBox="1">
-            <a:spLocks/>
-          </p:cNvSpPr>
-          <p:nvPr/>
-        </p:nvSpPr>
-        <p:spPr>
-          <a:xfrm>
-            <a:off x="265611" y="857795"/>
-            <a:ext cx="10515600" cy="1325563"/>
-          </a:xfrm>
-          <a:prstGeom prst="rect">
-            <a:avLst/>
-          </a:prstGeom>
-        </p:spPr>
-        <p:txBody>
-          <a:bodyPr vert="horz" lIns="91440" tIns="45720" rIns="91440" bIns="45720" rtlCol="0" anchor="ctr">
-            <a:normAutofit/>
-          </a:bodyPr>
-          <a:lstStyle>
-            <a:lvl1pPr algn="l" defTabSz="914400" rtl="0" eaLnBrk="1" latinLnBrk="0" hangingPunct="1">
-              <a:lnSpc>
-                <a:spcPct val="90000"/>
-              </a:lnSpc>
-              <a:spcBef>
-                <a:spcPct val="0"/>
-              </a:spcBef>
-              <a:buNone/>
-              <a:defRPr sz="4400" kern="1200">
-                <a:solidFill>
-                  <a:schemeClr val="tx1"/>
-                </a:solidFill>
-                <a:latin typeface="+mj-lt"/>
-                <a:ea typeface="+mj-ea"/>
-                <a:cs typeface="+mj-cs"/>
-              </a:defRPr>
-            </a:lvl1pPr>
-          </a:lstStyle>
-          <a:p>
-            <a:r>
-              <a:rPr lang="fr-FR" sz="2400" u="sng" dirty="0"/>
-              <a:t>J’ai fais une modification sur la branche principale</a:t>
             </a:r>
           </a:p>
         </p:txBody>
@@ -6881,6 +7101,60 @@
           </a:fontRef>
         </p:style>
       </p:cxnSp>
+      <p:sp>
+        <p:nvSpPr>
+          <p:cNvPr id="3" name="Titre 1">
+            <a:extLst>
+              <a:ext uri="{FF2B5EF4-FFF2-40B4-BE49-F238E27FC236}">
+                <a16:creationId xmlns:a16="http://schemas.microsoft.com/office/drawing/2014/main" id="{01994174-18D3-EE79-132A-0F8BFF2E2A46}"/>
+              </a:ext>
+            </a:extLst>
+          </p:cNvPr>
+          <p:cNvSpPr txBox="1">
+            <a:spLocks/>
+          </p:cNvSpPr>
+          <p:nvPr/>
+        </p:nvSpPr>
+        <p:spPr>
+          <a:xfrm>
+            <a:off x="265611" y="857795"/>
+            <a:ext cx="10515600" cy="1325563"/>
+          </a:xfrm>
+          <a:prstGeom prst="rect">
+            <a:avLst/>
+          </a:prstGeom>
+        </p:spPr>
+        <p:txBody>
+          <a:bodyPr vert="horz" lIns="91440" tIns="45720" rIns="91440" bIns="45720" rtlCol="0" anchor="ctr">
+            <a:normAutofit/>
+          </a:bodyPr>
+          <a:lstStyle>
+            <a:lvl1pPr algn="l" defTabSz="914400" rtl="0" eaLnBrk="1" latinLnBrk="0" hangingPunct="1">
+              <a:lnSpc>
+                <a:spcPct val="90000"/>
+              </a:lnSpc>
+              <a:spcBef>
+                <a:spcPct val="0"/>
+              </a:spcBef>
+              <a:buNone/>
+              <a:defRPr sz="4400" kern="1200">
+                <a:solidFill>
+                  <a:schemeClr val="tx1"/>
+                </a:solidFill>
+                <a:latin typeface="+mj-lt"/>
+                <a:ea typeface="+mj-ea"/>
+                <a:cs typeface="+mj-cs"/>
+              </a:defRPr>
+            </a:lvl1pPr>
+          </a:lstStyle>
+          <a:p>
+            <a:r>
+              <a:rPr lang="fr-FR" sz="2400" u="sng" dirty="0"/>
+              <a:t>J’ai fais une modification sur la branche principale</a:t>
+            </a:r>
+          </a:p>
+        </p:txBody>
+      </p:sp>
     </p:spTree>
     <p:extLst>
       <p:ext uri="{BB962C8B-B14F-4D97-AF65-F5344CB8AC3E}">
@@ -6943,216 +7217,6 @@
               <a:rPr lang="fr-FR" sz="3600" dirty="0"/>
               <a:t>Comment gérer ses erreurs dans Git ?</a:t>
             </a:r>
-          </a:p>
-        </p:txBody>
-      </p:sp>
-      <p:sp>
-        <p:nvSpPr>
-          <p:cNvPr id="6" name="Titre 1">
-            <a:extLst>
-              <a:ext uri="{FF2B5EF4-FFF2-40B4-BE49-F238E27FC236}">
-                <a16:creationId xmlns:a16="http://schemas.microsoft.com/office/drawing/2014/main" id="{E3B5B8F1-2EDB-AF71-0407-F124EF306678}"/>
-              </a:ext>
-            </a:extLst>
-          </p:cNvPr>
-          <p:cNvSpPr txBox="1">
-            <a:spLocks/>
-          </p:cNvSpPr>
-          <p:nvPr/>
-        </p:nvSpPr>
-        <p:spPr>
-          <a:xfrm>
-            <a:off x="265611" y="857795"/>
-            <a:ext cx="10515600" cy="1325563"/>
-          </a:xfrm>
-          <a:prstGeom prst="rect">
-            <a:avLst/>
-          </a:prstGeom>
-        </p:spPr>
-        <p:txBody>
-          <a:bodyPr vert="horz" lIns="91440" tIns="45720" rIns="91440" bIns="45720" rtlCol="0" anchor="ctr">
-            <a:normAutofit/>
-          </a:bodyPr>
-          <a:lstStyle>
-            <a:lvl1pPr algn="l" defTabSz="914400" rtl="0" eaLnBrk="1" latinLnBrk="0" hangingPunct="1">
-              <a:lnSpc>
-                <a:spcPct val="90000"/>
-              </a:lnSpc>
-              <a:spcBef>
-                <a:spcPct val="0"/>
-              </a:spcBef>
-              <a:buNone/>
-              <a:defRPr sz="4400" kern="1200">
-                <a:solidFill>
-                  <a:schemeClr val="tx1"/>
-                </a:solidFill>
-                <a:latin typeface="+mj-lt"/>
-                <a:ea typeface="+mj-ea"/>
-                <a:cs typeface="+mj-cs"/>
-              </a:defRPr>
-            </a:lvl1pPr>
-          </a:lstStyle>
-          <a:p>
-            <a:r>
-              <a:rPr lang="fr-FR" sz="2400" u="sng" dirty="0"/>
-              <a:t>J’ai fais une modification sur la branche principale</a:t>
-            </a:r>
-          </a:p>
-        </p:txBody>
-      </p:sp>
-      <p:sp>
-        <p:nvSpPr>
-          <p:cNvPr id="7" name="ZoneTexte 6">
-            <a:extLst>
-              <a:ext uri="{FF2B5EF4-FFF2-40B4-BE49-F238E27FC236}">
-                <a16:creationId xmlns:a16="http://schemas.microsoft.com/office/drawing/2014/main" id="{D4AA2446-5520-53A3-D946-C342B598E736}"/>
-              </a:ext>
-            </a:extLst>
-          </p:cNvPr>
-          <p:cNvSpPr txBox="1"/>
-          <p:nvPr/>
-        </p:nvSpPr>
-        <p:spPr>
-          <a:xfrm>
-            <a:off x="242303" y="1499666"/>
-            <a:ext cx="4268737" cy="4446730"/>
-          </a:xfrm>
-          <a:prstGeom prst="rect">
-            <a:avLst/>
-          </a:prstGeom>
-          <a:noFill/>
-        </p:spPr>
-        <p:txBody>
-          <a:bodyPr wrap="square" rtlCol="0">
-            <a:spAutoFit/>
-          </a:bodyPr>
-          <a:lstStyle/>
-          <a:p>
-            <a:pPr>
-              <a:lnSpc>
-                <a:spcPct val="200000"/>
-              </a:lnSpc>
-            </a:pPr>
-            <a:r>
-              <a:rPr lang="fr-FR" b="1" u="sng" dirty="0">
-                <a:solidFill>
-                  <a:srgbClr val="00B050"/>
-                </a:solidFill>
-              </a:rPr>
-              <a:t>Niveau facile</a:t>
-            </a:r>
-            <a:r>
-              <a:rPr lang="fr-FR" sz="3600" b="0" i="0" dirty="0">
-                <a:solidFill>
-                  <a:srgbClr val="E8EAED"/>
-                </a:solidFill>
-                <a:effectLst/>
-                <a:latin typeface="Google Sans"/>
-              </a:rPr>
-              <a:t>😏</a:t>
-            </a:r>
-            <a:endParaRPr lang="fr-FR" sz="3600" dirty="0"/>
-          </a:p>
-          <a:p>
-            <a:pPr>
-              <a:lnSpc>
-                <a:spcPct val="200000"/>
-              </a:lnSpc>
-            </a:pPr>
-            <a:r>
-              <a:rPr lang="fr-FR" dirty="0"/>
-              <a:t>Je n’ai rien indexé </a:t>
-            </a:r>
-            <a:r>
-              <a:rPr lang="fr-FR" dirty="0">
-                <a:sym typeface="Wingdings" panose="05000000000000000000" pitchFamily="2" charset="2"/>
-              </a:rPr>
-              <a:t> Je peux </a:t>
-            </a:r>
-            <a:r>
-              <a:rPr lang="fr-FR" dirty="0" err="1">
-                <a:sym typeface="Wingdings" panose="05000000000000000000" pitchFamily="2" charset="2"/>
-              </a:rPr>
-              <a:t>checkout</a:t>
-            </a:r>
-            <a:endParaRPr lang="fr-FR" dirty="0">
-              <a:sym typeface="Wingdings" panose="05000000000000000000" pitchFamily="2" charset="2"/>
-            </a:endParaRPr>
-          </a:p>
-          <a:p>
-            <a:pPr>
-              <a:lnSpc>
-                <a:spcPct val="200000"/>
-              </a:lnSpc>
-            </a:pPr>
-            <a:r>
-              <a:rPr lang="fr-FR" b="1" u="sng" dirty="0">
-                <a:solidFill>
-                  <a:srgbClr val="FFC000"/>
-                </a:solidFill>
-                <a:sym typeface="Wingdings" panose="05000000000000000000" pitchFamily="2" charset="2"/>
-              </a:rPr>
-              <a:t>Niveau intermédiaire </a:t>
-            </a:r>
-            <a:r>
-              <a:rPr lang="fr-FR" sz="3600" b="0" i="0" dirty="0">
-                <a:solidFill>
-                  <a:srgbClr val="E8EAED"/>
-                </a:solidFill>
-                <a:effectLst/>
-                <a:latin typeface="Arial" panose="020B0604020202020204" pitchFamily="34" charset="0"/>
-                <a:cs typeface="Arial" panose="020B0604020202020204" pitchFamily="34" charset="0"/>
-              </a:rPr>
-              <a:t>🤭</a:t>
-            </a:r>
-            <a:endParaRPr lang="fr-FR" sz="3600" dirty="0">
-              <a:latin typeface="Arial" panose="020B0604020202020204" pitchFamily="34" charset="0"/>
-              <a:cs typeface="Arial" panose="020B0604020202020204" pitchFamily="34" charset="0"/>
-              <a:sym typeface="Wingdings" panose="05000000000000000000" pitchFamily="2" charset="2"/>
-            </a:endParaRPr>
-          </a:p>
-          <a:p>
-            <a:pPr>
-              <a:lnSpc>
-                <a:spcPct val="200000"/>
-              </a:lnSpc>
-            </a:pPr>
-            <a:r>
-              <a:rPr lang="fr-FR" dirty="0">
-                <a:sym typeface="Wingdings" panose="05000000000000000000" pitchFamily="2" charset="2"/>
-              </a:rPr>
-              <a:t>J’ai indexé  Je peux remiser (</a:t>
-            </a:r>
-            <a:r>
-              <a:rPr lang="fr-FR" dirty="0" err="1">
-                <a:sym typeface="Wingdings" panose="05000000000000000000" pitchFamily="2" charset="2"/>
-              </a:rPr>
-              <a:t>stash</a:t>
-            </a:r>
-            <a:r>
-              <a:rPr lang="fr-FR" dirty="0">
-                <a:sym typeface="Wingdings" panose="05000000000000000000" pitchFamily="2" charset="2"/>
-              </a:rPr>
-              <a:t>)</a:t>
-            </a:r>
-          </a:p>
-          <a:p>
-            <a:pPr>
-              <a:lnSpc>
-                <a:spcPct val="200000"/>
-              </a:lnSpc>
-            </a:pPr>
-            <a:endParaRPr lang="fr-FR" dirty="0">
-              <a:sym typeface="Wingdings" panose="05000000000000000000" pitchFamily="2" charset="2"/>
-            </a:endParaRPr>
-          </a:p>
-          <a:p>
-            <a:pPr>
-              <a:lnSpc>
-                <a:spcPct val="200000"/>
-              </a:lnSpc>
-            </a:pPr>
-            <a:endParaRPr lang="fr-FR" dirty="0"/>
           </a:p>
         </p:txBody>
       </p:sp>
@@ -7932,6 +7996,206 @@
           </a:p>
         </p:txBody>
       </p:sp>
+      <p:sp>
+        <p:nvSpPr>
+          <p:cNvPr id="3" name="Titre 1">
+            <a:extLst>
+              <a:ext uri="{FF2B5EF4-FFF2-40B4-BE49-F238E27FC236}">
+                <a16:creationId xmlns:a16="http://schemas.microsoft.com/office/drawing/2014/main" id="{C7A004FB-98B0-FB36-222A-1BC4AEE84301}"/>
+              </a:ext>
+            </a:extLst>
+          </p:cNvPr>
+          <p:cNvSpPr txBox="1">
+            <a:spLocks/>
+          </p:cNvSpPr>
+          <p:nvPr/>
+        </p:nvSpPr>
+        <p:spPr>
+          <a:xfrm>
+            <a:off x="265611" y="857795"/>
+            <a:ext cx="10515600" cy="1325563"/>
+          </a:xfrm>
+          <a:prstGeom prst="rect">
+            <a:avLst/>
+          </a:prstGeom>
+        </p:spPr>
+        <p:txBody>
+          <a:bodyPr vert="horz" lIns="91440" tIns="45720" rIns="91440" bIns="45720" rtlCol="0" anchor="ctr">
+            <a:normAutofit/>
+          </a:bodyPr>
+          <a:lstStyle>
+            <a:lvl1pPr algn="l" defTabSz="914400" rtl="0" eaLnBrk="1" latinLnBrk="0" hangingPunct="1">
+              <a:lnSpc>
+                <a:spcPct val="90000"/>
+              </a:lnSpc>
+              <a:spcBef>
+                <a:spcPct val="0"/>
+              </a:spcBef>
+              <a:buNone/>
+              <a:defRPr sz="4400" kern="1200">
+                <a:solidFill>
+                  <a:schemeClr val="tx1"/>
+                </a:solidFill>
+                <a:latin typeface="+mj-lt"/>
+                <a:ea typeface="+mj-ea"/>
+                <a:cs typeface="+mj-cs"/>
+              </a:defRPr>
+            </a:lvl1pPr>
+          </a:lstStyle>
+          <a:p>
+            <a:r>
+              <a:rPr lang="fr-FR" sz="2400" u="sng" dirty="0"/>
+              <a:t>J’ai fais une modification sur la branche principale</a:t>
+            </a:r>
+          </a:p>
+        </p:txBody>
+      </p:sp>
+      <p:sp>
+        <p:nvSpPr>
+          <p:cNvPr id="14" name="ZoneTexte 13">
+            <a:extLst>
+              <a:ext uri="{FF2B5EF4-FFF2-40B4-BE49-F238E27FC236}">
+                <a16:creationId xmlns:a16="http://schemas.microsoft.com/office/drawing/2014/main" id="{9986BFE3-390A-4D3B-93D4-BB2312CBAEBC}"/>
+              </a:ext>
+            </a:extLst>
+          </p:cNvPr>
+          <p:cNvSpPr txBox="1"/>
+          <p:nvPr/>
+        </p:nvSpPr>
+        <p:spPr>
+          <a:xfrm>
+            <a:off x="242303" y="1499666"/>
+            <a:ext cx="4268737" cy="3892732"/>
+          </a:xfrm>
+          <a:prstGeom prst="rect">
+            <a:avLst/>
+          </a:prstGeom>
+          <a:noFill/>
+        </p:spPr>
+        <p:txBody>
+          <a:bodyPr wrap="square" rtlCol="0">
+            <a:spAutoFit/>
+          </a:bodyPr>
+          <a:lstStyle/>
+          <a:p>
+            <a:pPr>
+              <a:lnSpc>
+                <a:spcPct val="200000"/>
+              </a:lnSpc>
+            </a:pPr>
+            <a:r>
+              <a:rPr lang="fr-FR" b="1" u="sng" dirty="0">
+                <a:solidFill>
+                  <a:srgbClr val="00B050"/>
+                </a:solidFill>
+              </a:rPr>
+              <a:t>Niveau facile</a:t>
+            </a:r>
+            <a:r>
+              <a:rPr lang="fr-FR" sz="3600" b="0" i="0" dirty="0">
+                <a:solidFill>
+                  <a:srgbClr val="E8EAED"/>
+                </a:solidFill>
+                <a:effectLst/>
+                <a:latin typeface="Google Sans"/>
+              </a:rPr>
+              <a:t>😏</a:t>
+            </a:r>
+            <a:endParaRPr lang="fr-FR" sz="3600" dirty="0"/>
+          </a:p>
+          <a:p>
+            <a:pPr>
+              <a:lnSpc>
+                <a:spcPct val="200000"/>
+              </a:lnSpc>
+            </a:pPr>
+            <a:r>
+              <a:rPr lang="fr-FR" dirty="0"/>
+              <a:t>Je n’ai rien indexé </a:t>
+            </a:r>
+            <a:r>
+              <a:rPr lang="fr-FR" dirty="0">
+                <a:sym typeface="Wingdings" panose="05000000000000000000" pitchFamily="2" charset="2"/>
+              </a:rPr>
+              <a:t> Je peux </a:t>
+            </a:r>
+            <a:r>
+              <a:rPr lang="fr-FR" dirty="0" err="1">
+                <a:sym typeface="Wingdings" panose="05000000000000000000" pitchFamily="2" charset="2"/>
+              </a:rPr>
+              <a:t>checkout</a:t>
+            </a:r>
+            <a:endParaRPr lang="fr-FR" dirty="0">
+              <a:sym typeface="Wingdings" panose="05000000000000000000" pitchFamily="2" charset="2"/>
+            </a:endParaRPr>
+          </a:p>
+          <a:p>
+            <a:pPr>
+              <a:lnSpc>
+                <a:spcPct val="200000"/>
+              </a:lnSpc>
+            </a:pPr>
+            <a:r>
+              <a:rPr lang="fr-FR" b="1" u="sng" dirty="0">
+                <a:solidFill>
+                  <a:srgbClr val="FFC000"/>
+                </a:solidFill>
+                <a:sym typeface="Wingdings" panose="05000000000000000000" pitchFamily="2" charset="2"/>
+              </a:rPr>
+              <a:t>Niveau intermédiaire </a:t>
+            </a:r>
+            <a:r>
+              <a:rPr lang="fr-FR" sz="3600" b="0" i="0" dirty="0">
+                <a:solidFill>
+                  <a:srgbClr val="E8EAED"/>
+                </a:solidFill>
+                <a:effectLst/>
+                <a:latin typeface="Arial" panose="020B0604020202020204" pitchFamily="34" charset="0"/>
+                <a:cs typeface="Arial" panose="020B0604020202020204" pitchFamily="34" charset="0"/>
+              </a:rPr>
+              <a:t>🤭</a:t>
+            </a:r>
+            <a:endParaRPr lang="fr-FR" sz="3600" dirty="0">
+              <a:latin typeface="Arial" panose="020B0604020202020204" pitchFamily="34" charset="0"/>
+              <a:cs typeface="Arial" panose="020B0604020202020204" pitchFamily="34" charset="0"/>
+              <a:sym typeface="Wingdings" panose="05000000000000000000" pitchFamily="2" charset="2"/>
+            </a:endParaRPr>
+          </a:p>
+          <a:p>
+            <a:pPr>
+              <a:lnSpc>
+                <a:spcPct val="200000"/>
+              </a:lnSpc>
+            </a:pPr>
+            <a:r>
+              <a:rPr lang="fr-FR" dirty="0">
+                <a:sym typeface="Wingdings" panose="05000000000000000000" pitchFamily="2" charset="2"/>
+              </a:rPr>
+              <a:t>J’ai indexé  Je peux remiser (</a:t>
+            </a:r>
+            <a:r>
+              <a:rPr lang="fr-FR" dirty="0" err="1">
+                <a:sym typeface="Wingdings" panose="05000000000000000000" pitchFamily="2" charset="2"/>
+              </a:rPr>
+              <a:t>stash</a:t>
+            </a:r>
+            <a:r>
+              <a:rPr lang="fr-FR" dirty="0">
+                <a:sym typeface="Wingdings" panose="05000000000000000000" pitchFamily="2" charset="2"/>
+              </a:rPr>
+              <a:t>)</a:t>
+            </a:r>
+          </a:p>
+          <a:p>
+            <a:pPr>
+              <a:lnSpc>
+                <a:spcPct val="200000"/>
+              </a:lnSpc>
+            </a:pPr>
+            <a:endParaRPr lang="fr-FR" dirty="0"/>
+          </a:p>
+        </p:txBody>
+      </p:sp>
     </p:spTree>
     <p:extLst>
       <p:ext uri="{BB962C8B-B14F-4D97-AF65-F5344CB8AC3E}">
@@ -16448,10 +16712,609 @@
       </p:grpSpPr>
       <p:sp>
         <p:nvSpPr>
-          <p:cNvPr id="2" name="Titre 1">
-            <a:extLst>
-              <a:ext uri="{FF2B5EF4-FFF2-40B4-BE49-F238E27FC236}">
-                <a16:creationId xmlns:a16="http://schemas.microsoft.com/office/drawing/2014/main" id="{943ED34C-BB50-6E1C-EF0C-36ABE7323345}"/>
+          <p:cNvPr id="6" name="ZoneTexte 5">
+            <a:extLst>
+              <a:ext uri="{FF2B5EF4-FFF2-40B4-BE49-F238E27FC236}">
+                <a16:creationId xmlns:a16="http://schemas.microsoft.com/office/drawing/2014/main" id="{B3F58968-54FC-6BEB-ECD2-B3AA6055D14E}"/>
+              </a:ext>
+            </a:extLst>
+          </p:cNvPr>
+          <p:cNvSpPr txBox="1"/>
+          <p:nvPr/>
+        </p:nvSpPr>
+        <p:spPr>
+          <a:xfrm>
+            <a:off x="435429" y="1910418"/>
+            <a:ext cx="10981508" cy="3970318"/>
+          </a:xfrm>
+          <a:prstGeom prst="rect">
+            <a:avLst/>
+          </a:prstGeom>
+          <a:solidFill>
+            <a:schemeClr val="tx1"/>
+          </a:solidFill>
+        </p:spPr>
+        <p:txBody>
+          <a:bodyPr wrap="square">
+            <a:spAutoFit/>
+          </a:bodyPr>
+          <a:lstStyle/>
+          <a:p>
+            <a:r>
+              <a:rPr lang="fr-FR" sz="1800" b="0" i="0" dirty="0" err="1">
+                <a:solidFill>
+                  <a:srgbClr val="00B050"/>
+                </a:solidFill>
+                <a:effectLst/>
+                <a:latin typeface="Courier New" panose="02070309020205020404" pitchFamily="49" charset="0"/>
+              </a:rPr>
+              <a:t>johndoe</a:t>
+            </a:r>
+            <a:r>
+              <a:rPr lang="fr-FR" sz="1800" b="0" i="0" dirty="0">
+                <a:solidFill>
+                  <a:srgbClr val="FFFFFF"/>
+                </a:solidFill>
+                <a:effectLst/>
+                <a:latin typeface="Courier New" panose="02070309020205020404" pitchFamily="49" charset="0"/>
+              </a:rPr>
+              <a:t> </a:t>
+            </a:r>
+            <a:r>
+              <a:rPr lang="fr-FR" sz="1800" b="0" i="0" dirty="0">
+                <a:solidFill>
+                  <a:srgbClr val="FFFF00"/>
+                </a:solidFill>
+                <a:effectLst/>
+                <a:latin typeface="Courier New" panose="02070309020205020404" pitchFamily="49" charset="0"/>
+              </a:rPr>
+              <a:t>~</a:t>
+            </a:r>
+            <a:r>
+              <a:rPr lang="fr-FR" sz="1800" b="0" i="0" dirty="0">
+                <a:solidFill>
+                  <a:srgbClr val="FFFFFF"/>
+                </a:solidFill>
+                <a:effectLst/>
+                <a:latin typeface="Courier New" panose="02070309020205020404" pitchFamily="49" charset="0"/>
+              </a:rPr>
+              <a:t> </a:t>
+            </a:r>
+          </a:p>
+          <a:p>
+            <a:r>
+              <a:rPr lang="fr-FR" sz="1800" b="0" i="0" dirty="0">
+                <a:solidFill>
+                  <a:srgbClr val="FFFFFF"/>
+                </a:solidFill>
+                <a:effectLst/>
+                <a:latin typeface="Courier New" panose="02070309020205020404" pitchFamily="49" charset="0"/>
+              </a:rPr>
+              <a:t>$ cd Documents </a:t>
+            </a:r>
+            <a:r>
+              <a:rPr lang="fr-FR" sz="1800" b="0" i="0" dirty="0">
+                <a:solidFill>
+                  <a:srgbClr val="00B0F0"/>
+                </a:solidFill>
+                <a:effectLst/>
+                <a:latin typeface="Courier New" panose="02070309020205020404" pitchFamily="49" charset="0"/>
+              </a:rPr>
+              <a:t>//Navigation</a:t>
+            </a:r>
+          </a:p>
+          <a:p>
+            <a:r>
+              <a:rPr lang="fr-FR" sz="1800" b="0" i="0" dirty="0" err="1">
+                <a:solidFill>
+                  <a:srgbClr val="00B050"/>
+                </a:solidFill>
+                <a:effectLst/>
+                <a:latin typeface="Courier New" panose="02070309020205020404" pitchFamily="49" charset="0"/>
+              </a:rPr>
+              <a:t>johndoe</a:t>
+            </a:r>
+            <a:r>
+              <a:rPr lang="fr-FR" sz="1800" b="0" i="0" dirty="0">
+                <a:solidFill>
+                  <a:srgbClr val="FFFFFF"/>
+                </a:solidFill>
+                <a:effectLst/>
+                <a:latin typeface="Courier New" panose="02070309020205020404" pitchFamily="49" charset="0"/>
+              </a:rPr>
+              <a:t> </a:t>
+            </a:r>
+            <a:r>
+              <a:rPr lang="fr-FR" sz="1800" b="0" i="0" dirty="0">
+                <a:solidFill>
+                  <a:srgbClr val="FFFF00"/>
+                </a:solidFill>
+                <a:effectLst/>
+                <a:latin typeface="Courier New" panose="02070309020205020404" pitchFamily="49" charset="0"/>
+              </a:rPr>
+              <a:t>~/Documents</a:t>
+            </a:r>
+            <a:endParaRPr lang="fr-FR" sz="1800" b="0" i="0" dirty="0">
+              <a:solidFill>
+                <a:srgbClr val="FFFFFF"/>
+              </a:solidFill>
+              <a:effectLst/>
+              <a:latin typeface="Courier New" panose="02070309020205020404" pitchFamily="49" charset="0"/>
+            </a:endParaRPr>
+          </a:p>
+          <a:p>
+            <a:r>
+              <a:rPr lang="fr-FR" sz="1800" b="0" i="0" dirty="0">
+                <a:solidFill>
+                  <a:srgbClr val="FFFFFF"/>
+                </a:solidFill>
+                <a:effectLst/>
+                <a:latin typeface="Courier New" panose="02070309020205020404" pitchFamily="49" charset="0"/>
+              </a:rPr>
+              <a:t>$ </a:t>
+            </a:r>
+            <a:r>
+              <a:rPr lang="fr-FR" sz="1800" b="0" i="0" dirty="0" err="1">
+                <a:solidFill>
+                  <a:srgbClr val="FFFFFF"/>
+                </a:solidFill>
+                <a:effectLst/>
+                <a:latin typeface="Courier New" panose="02070309020205020404" pitchFamily="49" charset="0"/>
+              </a:rPr>
+              <a:t>mkdir</a:t>
+            </a:r>
+            <a:r>
+              <a:rPr lang="fr-FR" sz="1800" b="0" i="0" dirty="0">
+                <a:solidFill>
+                  <a:srgbClr val="FFFFFF"/>
+                </a:solidFill>
+                <a:effectLst/>
+                <a:latin typeface="Courier New" panose="02070309020205020404" pitchFamily="49" charset="0"/>
+              </a:rPr>
+              <a:t> </a:t>
+            </a:r>
+            <a:r>
+              <a:rPr lang="fr-FR" sz="1800" b="0" i="0" dirty="0" err="1">
+                <a:solidFill>
+                  <a:srgbClr val="FFFFFF"/>
+                </a:solidFill>
+                <a:effectLst/>
+                <a:latin typeface="Courier New" panose="02070309020205020404" pitchFamily="49" charset="0"/>
+              </a:rPr>
+              <a:t>PremierProjet</a:t>
+            </a:r>
+            <a:r>
+              <a:rPr lang="fr-FR" sz="1800" b="0" i="0" dirty="0">
+                <a:solidFill>
+                  <a:srgbClr val="00B0F0"/>
+                </a:solidFill>
+                <a:effectLst/>
+                <a:latin typeface="Courier New" panose="02070309020205020404" pitchFamily="49" charset="0"/>
+              </a:rPr>
+              <a:t> //Création de dossier</a:t>
+            </a:r>
+            <a:endParaRPr lang="fr-FR" sz="1800" b="0" i="0" dirty="0">
+              <a:solidFill>
+                <a:srgbClr val="FFFFFF"/>
+              </a:solidFill>
+              <a:effectLst/>
+              <a:latin typeface="Courier New" panose="02070309020205020404" pitchFamily="49" charset="0"/>
+            </a:endParaRPr>
+          </a:p>
+          <a:p>
+            <a:r>
+              <a:rPr lang="fr-FR" sz="1800" b="0" i="0" dirty="0" err="1">
+                <a:solidFill>
+                  <a:srgbClr val="00B050"/>
+                </a:solidFill>
+                <a:effectLst/>
+                <a:latin typeface="Courier New" panose="02070309020205020404" pitchFamily="49" charset="0"/>
+              </a:rPr>
+              <a:t>johndoe</a:t>
+            </a:r>
+            <a:r>
+              <a:rPr lang="fr-FR" sz="1800" b="0" i="0" dirty="0">
+                <a:solidFill>
+                  <a:srgbClr val="FFFFFF"/>
+                </a:solidFill>
+                <a:effectLst/>
+                <a:latin typeface="Courier New" panose="02070309020205020404" pitchFamily="49" charset="0"/>
+              </a:rPr>
+              <a:t> </a:t>
+            </a:r>
+            <a:r>
+              <a:rPr lang="fr-FR" sz="1800" b="0" i="0" dirty="0">
+                <a:solidFill>
+                  <a:srgbClr val="FFFF00"/>
+                </a:solidFill>
+                <a:effectLst/>
+                <a:latin typeface="Courier New" panose="02070309020205020404" pitchFamily="49" charset="0"/>
+              </a:rPr>
+              <a:t>~/Documents</a:t>
+            </a:r>
+          </a:p>
+          <a:p>
+            <a:r>
+              <a:rPr lang="fr-FR" sz="1800" b="0" i="0" dirty="0">
+                <a:solidFill>
+                  <a:srgbClr val="FFFFFF"/>
+                </a:solidFill>
+                <a:effectLst/>
+                <a:latin typeface="Courier New" panose="02070309020205020404" pitchFamily="49" charset="0"/>
+              </a:rPr>
+              <a:t>$ cd Documents/</a:t>
+            </a:r>
+            <a:r>
+              <a:rPr lang="fr-FR" sz="1800" b="0" i="0" dirty="0" err="1">
+                <a:solidFill>
+                  <a:srgbClr val="FFFFFF"/>
+                </a:solidFill>
+                <a:effectLst/>
+                <a:latin typeface="Courier New" panose="02070309020205020404" pitchFamily="49" charset="0"/>
+              </a:rPr>
+              <a:t>PremierProjet</a:t>
+            </a:r>
+            <a:r>
+              <a:rPr lang="fr-FR" sz="1800" b="0" i="0" dirty="0">
+                <a:solidFill>
+                  <a:srgbClr val="FFFFFF"/>
+                </a:solidFill>
+                <a:effectLst/>
+                <a:latin typeface="Courier New" panose="02070309020205020404" pitchFamily="49" charset="0"/>
+              </a:rPr>
+              <a:t> </a:t>
+            </a:r>
+            <a:r>
+              <a:rPr lang="fr-FR" sz="1800" b="0" i="0" dirty="0">
+                <a:solidFill>
+                  <a:srgbClr val="00B0F0"/>
+                </a:solidFill>
+                <a:effectLst/>
+                <a:latin typeface="Courier New" panose="02070309020205020404" pitchFamily="49" charset="0"/>
+              </a:rPr>
+              <a:t>//Navigation dans nouveau dossier</a:t>
+            </a:r>
+            <a:endParaRPr lang="fr-FR" sz="1800" b="0" i="0" dirty="0">
+              <a:solidFill>
+                <a:srgbClr val="FFFFFF"/>
+              </a:solidFill>
+              <a:effectLst/>
+              <a:latin typeface="Courier New" panose="02070309020205020404" pitchFamily="49" charset="0"/>
+            </a:endParaRPr>
+          </a:p>
+          <a:p>
+            <a:r>
+              <a:rPr lang="fr-FR" sz="1800" b="0" i="0" dirty="0" err="1">
+                <a:solidFill>
+                  <a:srgbClr val="00B050"/>
+                </a:solidFill>
+                <a:effectLst/>
+                <a:latin typeface="Courier New" panose="02070309020205020404" pitchFamily="49" charset="0"/>
+              </a:rPr>
+              <a:t>johndoe</a:t>
+            </a:r>
+            <a:r>
+              <a:rPr lang="fr-FR" sz="1800" b="0" i="0" dirty="0">
+                <a:solidFill>
+                  <a:srgbClr val="FFFFFF"/>
+                </a:solidFill>
+                <a:effectLst/>
+                <a:latin typeface="Courier New" panose="02070309020205020404" pitchFamily="49" charset="0"/>
+              </a:rPr>
+              <a:t> </a:t>
+            </a:r>
+            <a:r>
+              <a:rPr lang="fr-FR" sz="1800" b="0" i="0" dirty="0">
+                <a:solidFill>
+                  <a:srgbClr val="FFFF00"/>
+                </a:solidFill>
+                <a:effectLst/>
+                <a:latin typeface="Courier New" panose="02070309020205020404" pitchFamily="49" charset="0"/>
+              </a:rPr>
+              <a:t>~/Documents/</a:t>
+            </a:r>
+            <a:r>
+              <a:rPr lang="fr-FR" sz="1800" b="0" i="0" dirty="0" err="1">
+                <a:solidFill>
+                  <a:srgbClr val="FFFF00"/>
+                </a:solidFill>
+                <a:effectLst/>
+                <a:latin typeface="Courier New" panose="02070309020205020404" pitchFamily="49" charset="0"/>
+              </a:rPr>
+              <a:t>PremierProjet</a:t>
+            </a:r>
+            <a:endParaRPr lang="fr-FR" sz="1800" b="0" i="0" dirty="0">
+              <a:solidFill>
+                <a:srgbClr val="FFFF00"/>
+              </a:solidFill>
+              <a:effectLst/>
+              <a:latin typeface="Courier New" panose="02070309020205020404" pitchFamily="49" charset="0"/>
+            </a:endParaRPr>
+          </a:p>
+          <a:p>
+            <a:r>
+              <a:rPr lang="fr-FR" sz="1800" b="0" i="0" dirty="0">
+                <a:solidFill>
+                  <a:srgbClr val="FFFFFF"/>
+                </a:solidFill>
+                <a:effectLst/>
+                <a:latin typeface="Courier New" panose="02070309020205020404" pitchFamily="49" charset="0"/>
+              </a:rPr>
+              <a:t>$ git init </a:t>
+            </a:r>
+            <a:r>
+              <a:rPr lang="fr-FR" sz="1800" b="0" i="0" dirty="0">
+                <a:solidFill>
+                  <a:srgbClr val="00B0F0"/>
+                </a:solidFill>
+                <a:effectLst/>
+                <a:latin typeface="Courier New" panose="02070309020205020404" pitchFamily="49" charset="0"/>
+              </a:rPr>
+              <a:t>//Initialisation du dépôt</a:t>
+            </a:r>
+            <a:endParaRPr lang="fr-FR" sz="1800" b="0" i="0" dirty="0">
+              <a:solidFill>
+                <a:srgbClr val="FFFFFF"/>
+              </a:solidFill>
+              <a:effectLst/>
+              <a:latin typeface="Courier New" panose="02070309020205020404" pitchFamily="49" charset="0"/>
+            </a:endParaRPr>
+          </a:p>
+          <a:p>
+            <a:r>
+              <a:rPr lang="fr-FR" sz="1800" b="0" i="0" dirty="0" err="1">
+                <a:solidFill>
+                  <a:srgbClr val="FFFFFF"/>
+                </a:solidFill>
+                <a:effectLst/>
+                <a:latin typeface="Courier New" panose="02070309020205020404" pitchFamily="49" charset="0"/>
+              </a:rPr>
+              <a:t>Initialized</a:t>
+            </a:r>
+            <a:r>
+              <a:rPr lang="fr-FR" sz="1800" b="0" i="0" dirty="0">
+                <a:solidFill>
+                  <a:srgbClr val="FFFFFF"/>
+                </a:solidFill>
+                <a:effectLst/>
+                <a:latin typeface="Courier New" panose="02070309020205020404" pitchFamily="49" charset="0"/>
+              </a:rPr>
+              <a:t> </a:t>
+            </a:r>
+            <a:r>
+              <a:rPr lang="fr-FR" sz="1800" b="0" i="0" dirty="0" err="1">
+                <a:solidFill>
+                  <a:srgbClr val="FFFFFF"/>
+                </a:solidFill>
+                <a:effectLst/>
+                <a:latin typeface="Courier New" panose="02070309020205020404" pitchFamily="49" charset="0"/>
+              </a:rPr>
+              <a:t>empty</a:t>
+            </a:r>
+            <a:r>
+              <a:rPr lang="fr-FR" sz="1800" b="0" i="0" dirty="0">
+                <a:solidFill>
+                  <a:srgbClr val="FFFFFF"/>
+                </a:solidFill>
+                <a:effectLst/>
+                <a:latin typeface="Courier New" panose="02070309020205020404" pitchFamily="49" charset="0"/>
+              </a:rPr>
+              <a:t> Git repository in c:/users/JohnDoe/Documents/PremierProjet/</a:t>
+            </a:r>
+          </a:p>
+          <a:p>
+            <a:r>
+              <a:rPr lang="fr-FR" sz="1800" b="0" i="0" dirty="0" err="1">
+                <a:solidFill>
+                  <a:srgbClr val="00B050"/>
+                </a:solidFill>
+                <a:effectLst/>
+                <a:latin typeface="Courier New" panose="02070309020205020404" pitchFamily="49" charset="0"/>
+              </a:rPr>
+              <a:t>johndoe</a:t>
+            </a:r>
+            <a:r>
+              <a:rPr lang="fr-FR" sz="1800" b="0" i="0" dirty="0">
+                <a:solidFill>
+                  <a:srgbClr val="FFFFFF"/>
+                </a:solidFill>
+                <a:effectLst/>
+                <a:latin typeface="Courier New" panose="02070309020205020404" pitchFamily="49" charset="0"/>
+              </a:rPr>
+              <a:t> </a:t>
+            </a:r>
+            <a:r>
+              <a:rPr lang="fr-FR" sz="1800" b="0" i="0" dirty="0">
+                <a:solidFill>
+                  <a:srgbClr val="FFFF00"/>
+                </a:solidFill>
+                <a:effectLst/>
+                <a:latin typeface="Courier New" panose="02070309020205020404" pitchFamily="49" charset="0"/>
+              </a:rPr>
+              <a:t>~/Documents/</a:t>
+            </a:r>
+            <a:r>
+              <a:rPr lang="fr-FR" sz="1800" b="0" i="0" dirty="0" err="1">
+                <a:solidFill>
+                  <a:srgbClr val="FFFF00"/>
+                </a:solidFill>
+                <a:effectLst/>
+                <a:latin typeface="Courier New" panose="02070309020205020404" pitchFamily="49" charset="0"/>
+              </a:rPr>
+              <a:t>PremierProjet</a:t>
+            </a:r>
+            <a:r>
+              <a:rPr lang="fr-FR" sz="1800" b="0" i="0" dirty="0">
+                <a:solidFill>
+                  <a:srgbClr val="FFFF00"/>
+                </a:solidFill>
+                <a:effectLst/>
+                <a:latin typeface="Courier New" panose="02070309020205020404" pitchFamily="49" charset="0"/>
+              </a:rPr>
+              <a:t> </a:t>
+            </a:r>
+            <a:r>
+              <a:rPr lang="fr-FR" sz="1800" b="0" i="0" dirty="0">
+                <a:solidFill>
+                  <a:schemeClr val="accent2">
+                    <a:lumMod val="60000"/>
+                    <a:lumOff val="40000"/>
+                  </a:schemeClr>
+                </a:solidFill>
+                <a:effectLst/>
+                <a:latin typeface="Courier New" panose="02070309020205020404" pitchFamily="49" charset="0"/>
+              </a:rPr>
+              <a:t>(master)</a:t>
+            </a:r>
+          </a:p>
+          <a:p>
+            <a:r>
+              <a:rPr lang="fr-FR" sz="1800" b="0" i="0" dirty="0">
+                <a:solidFill>
+                  <a:srgbClr val="FFFFFF"/>
+                </a:solidFill>
+                <a:effectLst/>
+                <a:latin typeface="Courier New" panose="02070309020205020404" pitchFamily="49" charset="0"/>
+              </a:rPr>
+              <a:t>$ </a:t>
+            </a:r>
+            <a:r>
+              <a:rPr lang="fr-FR" sz="1800" b="0" i="0" dirty="0" err="1">
+                <a:solidFill>
+                  <a:srgbClr val="FFFFFF"/>
+                </a:solidFill>
+                <a:effectLst/>
+                <a:latin typeface="Courier New" panose="02070309020205020404" pitchFamily="49" charset="0"/>
+              </a:rPr>
+              <a:t>touch</a:t>
+            </a:r>
+            <a:r>
+              <a:rPr lang="fr-FR" sz="1800" b="0" i="0" dirty="0">
+                <a:solidFill>
+                  <a:srgbClr val="FFFFFF"/>
+                </a:solidFill>
+                <a:effectLst/>
+                <a:latin typeface="Courier New" panose="02070309020205020404" pitchFamily="49" charset="0"/>
+              </a:rPr>
+              <a:t> monPiremierFichier.txt </a:t>
+            </a:r>
+            <a:r>
+              <a:rPr lang="fr-FR" sz="1800" b="0" i="0" dirty="0">
+                <a:solidFill>
+                  <a:srgbClr val="00B0F0"/>
+                </a:solidFill>
+                <a:effectLst/>
+                <a:latin typeface="Courier New" panose="02070309020205020404" pitchFamily="49" charset="0"/>
+              </a:rPr>
+              <a:t>//Création fichier txt</a:t>
+            </a:r>
+          </a:p>
+          <a:p>
+            <a:r>
+              <a:rPr lang="fr-FR" sz="1800" b="0" i="0" dirty="0" err="1">
+                <a:solidFill>
+                  <a:srgbClr val="00B050"/>
+                </a:solidFill>
+                <a:effectLst/>
+                <a:latin typeface="Courier New" panose="02070309020205020404" pitchFamily="49" charset="0"/>
+              </a:rPr>
+              <a:t>johndoe</a:t>
+            </a:r>
+            <a:r>
+              <a:rPr lang="fr-FR" sz="1800" b="0" i="0" dirty="0">
+                <a:solidFill>
+                  <a:srgbClr val="FFFFFF"/>
+                </a:solidFill>
+                <a:effectLst/>
+                <a:latin typeface="Courier New" panose="02070309020205020404" pitchFamily="49" charset="0"/>
+              </a:rPr>
+              <a:t> </a:t>
+            </a:r>
+            <a:r>
+              <a:rPr lang="fr-FR" sz="1800" b="0" i="0" dirty="0">
+                <a:solidFill>
+                  <a:srgbClr val="FFFF00"/>
+                </a:solidFill>
+                <a:effectLst/>
+                <a:latin typeface="Courier New" panose="02070309020205020404" pitchFamily="49" charset="0"/>
+              </a:rPr>
+              <a:t>~/Documents/</a:t>
+            </a:r>
+            <a:r>
+              <a:rPr lang="fr-FR" sz="1800" b="0" i="0" dirty="0" err="1">
+                <a:solidFill>
+                  <a:srgbClr val="FFFF00"/>
+                </a:solidFill>
+                <a:effectLst/>
+                <a:latin typeface="Courier New" panose="02070309020205020404" pitchFamily="49" charset="0"/>
+              </a:rPr>
+              <a:t>PremierProjet</a:t>
+            </a:r>
+            <a:r>
+              <a:rPr lang="fr-FR" sz="1800" b="0" i="0" dirty="0">
+                <a:solidFill>
+                  <a:srgbClr val="FFFF00"/>
+                </a:solidFill>
+                <a:effectLst/>
+                <a:latin typeface="Courier New" panose="02070309020205020404" pitchFamily="49" charset="0"/>
+              </a:rPr>
+              <a:t> </a:t>
+            </a:r>
+            <a:r>
+              <a:rPr lang="fr-FR" sz="1800" b="0" i="0" dirty="0">
+                <a:solidFill>
+                  <a:schemeClr val="accent2">
+                    <a:lumMod val="60000"/>
+                    <a:lumOff val="40000"/>
+                  </a:schemeClr>
+                </a:solidFill>
+                <a:effectLst/>
+                <a:latin typeface="Courier New" panose="02070309020205020404" pitchFamily="49" charset="0"/>
+              </a:rPr>
+              <a:t>(master)</a:t>
+            </a:r>
+            <a:endParaRPr lang="fr-FR" sz="1800" b="0" i="0" dirty="0">
+              <a:solidFill>
+                <a:srgbClr val="FFFF00"/>
+              </a:solidFill>
+              <a:effectLst/>
+              <a:latin typeface="Courier New" panose="02070309020205020404" pitchFamily="49" charset="0"/>
+            </a:endParaRPr>
+          </a:p>
+          <a:p>
+            <a:r>
+              <a:rPr lang="fr-FR" sz="1800" b="0" i="0" dirty="0">
+                <a:solidFill>
+                  <a:srgbClr val="FFFFFF"/>
+                </a:solidFill>
+                <a:effectLst/>
+                <a:latin typeface="Courier New" panose="02070309020205020404" pitchFamily="49" charset="0"/>
+              </a:rPr>
+              <a:t>$ git commit </a:t>
+            </a:r>
+            <a:r>
+              <a:rPr lang="fr-FR" sz="1800" b="0" i="0" dirty="0">
+                <a:solidFill>
+                  <a:srgbClr val="00B0F0"/>
+                </a:solidFill>
+                <a:effectLst/>
+                <a:latin typeface="Courier New" panose="02070309020205020404" pitchFamily="49" charset="0"/>
+              </a:rPr>
+              <a:t>//sauvegarde de la version (repo)</a:t>
+            </a:r>
+            <a:endParaRPr lang="fr-FR" sz="1800" dirty="0"/>
+          </a:p>
+          <a:p>
+            <a:endParaRPr lang="fr-FR" sz="1800" dirty="0"/>
+          </a:p>
+        </p:txBody>
+      </p:sp>
+      <p:sp>
+        <p:nvSpPr>
+          <p:cNvPr id="7" name="Titre 1">
+            <a:extLst>
+              <a:ext uri="{FF2B5EF4-FFF2-40B4-BE49-F238E27FC236}">
+                <a16:creationId xmlns:a16="http://schemas.microsoft.com/office/drawing/2014/main" id="{5CF97F49-AA9F-96C2-C680-4ACD18172EE5}"/>
               </a:ext>
             </a:extLst>
           </p:cNvPr>
@@ -16483,10 +17346,10 @@
       </p:sp>
       <p:sp>
         <p:nvSpPr>
-          <p:cNvPr id="4" name="Titre 1">
-            <a:extLst>
-              <a:ext uri="{FF2B5EF4-FFF2-40B4-BE49-F238E27FC236}">
-                <a16:creationId xmlns:a16="http://schemas.microsoft.com/office/drawing/2014/main" id="{87D9624F-3089-C5D1-08D2-A716E09F8947}"/>
+          <p:cNvPr id="8" name="Titre 1">
+            <a:extLst>
+              <a:ext uri="{FF2B5EF4-FFF2-40B4-BE49-F238E27FC236}">
+                <a16:creationId xmlns:a16="http://schemas.microsoft.com/office/drawing/2014/main" id="{EE024624-B130-CF32-F2FC-5DD5785F9F8D}"/>
               </a:ext>
             </a:extLst>
           </p:cNvPr>
@@ -16532,605 +17395,6 @@
               <a:rPr lang="fr-FR" sz="2400" u="sng" dirty="0"/>
               <a:t>J’ai oublier mon message lors du commit</a:t>
             </a:r>
-          </a:p>
-        </p:txBody>
-      </p:sp>
-      <p:sp>
-        <p:nvSpPr>
-          <p:cNvPr id="6" name="ZoneTexte 5">
-            <a:extLst>
-              <a:ext uri="{FF2B5EF4-FFF2-40B4-BE49-F238E27FC236}">
-                <a16:creationId xmlns:a16="http://schemas.microsoft.com/office/drawing/2014/main" id="{B3F58968-54FC-6BEB-ECD2-B3AA6055D14E}"/>
-              </a:ext>
-            </a:extLst>
-          </p:cNvPr>
-          <p:cNvSpPr txBox="1"/>
-          <p:nvPr/>
-        </p:nvSpPr>
-        <p:spPr>
-          <a:xfrm>
-            <a:off x="435429" y="1910418"/>
-            <a:ext cx="10981508" cy="3970318"/>
-          </a:xfrm>
-          <a:prstGeom prst="rect">
-            <a:avLst/>
-          </a:prstGeom>
-          <a:solidFill>
-            <a:schemeClr val="tx1"/>
-          </a:solidFill>
-        </p:spPr>
-        <p:txBody>
-          <a:bodyPr wrap="square">
-            <a:spAutoFit/>
-          </a:bodyPr>
-          <a:lstStyle/>
-          <a:p>
-            <a:r>
-              <a:rPr lang="fr-FR" sz="1800" b="0" i="0" dirty="0" err="1">
-                <a:solidFill>
-                  <a:srgbClr val="00B050"/>
-                </a:solidFill>
-                <a:effectLst/>
-                <a:latin typeface="Courier New" panose="02070309020205020404" pitchFamily="49" charset="0"/>
-              </a:rPr>
-              <a:t>johndoe</a:t>
-            </a:r>
-            <a:r>
-              <a:rPr lang="fr-FR" sz="1800" b="0" i="0" dirty="0">
-                <a:solidFill>
-                  <a:srgbClr val="FFFFFF"/>
-                </a:solidFill>
-                <a:effectLst/>
-                <a:latin typeface="Courier New" panose="02070309020205020404" pitchFamily="49" charset="0"/>
-              </a:rPr>
-              <a:t> </a:t>
-            </a:r>
-            <a:r>
-              <a:rPr lang="fr-FR" sz="1800" b="0" i="0" dirty="0">
-                <a:solidFill>
-                  <a:srgbClr val="FFFF00"/>
-                </a:solidFill>
-                <a:effectLst/>
-                <a:latin typeface="Courier New" panose="02070309020205020404" pitchFamily="49" charset="0"/>
-              </a:rPr>
-              <a:t>~</a:t>
-            </a:r>
-            <a:r>
-              <a:rPr lang="fr-FR" sz="1800" b="0" i="0" dirty="0">
-                <a:solidFill>
-                  <a:srgbClr val="FFFFFF"/>
-                </a:solidFill>
-                <a:effectLst/>
-                <a:latin typeface="Courier New" panose="02070309020205020404" pitchFamily="49" charset="0"/>
-              </a:rPr>
-              <a:t> </a:t>
-            </a:r>
-          </a:p>
-          <a:p>
-            <a:r>
-              <a:rPr lang="fr-FR" sz="1800" b="0" i="0" dirty="0">
-                <a:solidFill>
-                  <a:srgbClr val="FFFFFF"/>
-                </a:solidFill>
-                <a:effectLst/>
-                <a:latin typeface="Courier New" panose="02070309020205020404" pitchFamily="49" charset="0"/>
-              </a:rPr>
-              <a:t>$ cd Documents </a:t>
-            </a:r>
-            <a:r>
-              <a:rPr lang="fr-FR" sz="1800" b="0" i="0" dirty="0">
-                <a:solidFill>
-                  <a:srgbClr val="00B0F0"/>
-                </a:solidFill>
-                <a:effectLst/>
-                <a:latin typeface="Courier New" panose="02070309020205020404" pitchFamily="49" charset="0"/>
-              </a:rPr>
-              <a:t>//Navigation</a:t>
-            </a:r>
-          </a:p>
-          <a:p>
-            <a:r>
-              <a:rPr lang="fr-FR" sz="1800" b="0" i="0" dirty="0" err="1">
-                <a:solidFill>
-                  <a:srgbClr val="00B050"/>
-                </a:solidFill>
-                <a:effectLst/>
-                <a:latin typeface="Courier New" panose="02070309020205020404" pitchFamily="49" charset="0"/>
-              </a:rPr>
-              <a:t>johndoe</a:t>
-            </a:r>
-            <a:r>
-              <a:rPr lang="fr-FR" sz="1800" b="0" i="0" dirty="0">
-                <a:solidFill>
-                  <a:srgbClr val="FFFFFF"/>
-                </a:solidFill>
-                <a:effectLst/>
-                <a:latin typeface="Courier New" panose="02070309020205020404" pitchFamily="49" charset="0"/>
-              </a:rPr>
-              <a:t> </a:t>
-            </a:r>
-            <a:r>
-              <a:rPr lang="fr-FR" sz="1800" b="0" i="0" dirty="0">
-                <a:solidFill>
-                  <a:srgbClr val="FFFF00"/>
-                </a:solidFill>
-                <a:effectLst/>
-                <a:latin typeface="Courier New" panose="02070309020205020404" pitchFamily="49" charset="0"/>
-              </a:rPr>
-              <a:t>~/Documents</a:t>
-            </a:r>
-            <a:endParaRPr lang="fr-FR" sz="1800" b="0" i="0" dirty="0">
-              <a:solidFill>
-                <a:srgbClr val="FFFFFF"/>
-              </a:solidFill>
-              <a:effectLst/>
-              <a:latin typeface="Courier New" panose="02070309020205020404" pitchFamily="49" charset="0"/>
-            </a:endParaRPr>
-          </a:p>
-          <a:p>
-            <a:r>
-              <a:rPr lang="fr-FR" sz="1800" b="0" i="0" dirty="0">
-                <a:solidFill>
-                  <a:srgbClr val="FFFFFF"/>
-                </a:solidFill>
-                <a:effectLst/>
-                <a:latin typeface="Courier New" panose="02070309020205020404" pitchFamily="49" charset="0"/>
-              </a:rPr>
-              <a:t>$ </a:t>
-            </a:r>
-            <a:r>
-              <a:rPr lang="fr-FR" sz="1800" b="0" i="0" dirty="0" err="1">
-                <a:solidFill>
-                  <a:srgbClr val="FFFFFF"/>
-                </a:solidFill>
-                <a:effectLst/>
-                <a:latin typeface="Courier New" panose="02070309020205020404" pitchFamily="49" charset="0"/>
-              </a:rPr>
-              <a:t>mkdir</a:t>
-            </a:r>
-            <a:r>
-              <a:rPr lang="fr-FR" sz="1800" b="0" i="0" dirty="0">
-                <a:solidFill>
-                  <a:srgbClr val="FFFFFF"/>
-                </a:solidFill>
-                <a:effectLst/>
-                <a:latin typeface="Courier New" panose="02070309020205020404" pitchFamily="49" charset="0"/>
-              </a:rPr>
-              <a:t> </a:t>
-            </a:r>
-            <a:r>
-              <a:rPr lang="fr-FR" sz="1800" b="0" i="0" dirty="0" err="1">
-                <a:solidFill>
-                  <a:srgbClr val="FFFFFF"/>
-                </a:solidFill>
-                <a:effectLst/>
-                <a:latin typeface="Courier New" panose="02070309020205020404" pitchFamily="49" charset="0"/>
-              </a:rPr>
-              <a:t>PremierProjet</a:t>
-            </a:r>
-            <a:r>
-              <a:rPr lang="fr-FR" sz="1800" b="0" i="0" dirty="0">
-                <a:solidFill>
-                  <a:srgbClr val="00B0F0"/>
-                </a:solidFill>
-                <a:effectLst/>
-                <a:latin typeface="Courier New" panose="02070309020205020404" pitchFamily="49" charset="0"/>
-              </a:rPr>
-              <a:t> //Création de dossier</a:t>
-            </a:r>
-            <a:endParaRPr lang="fr-FR" sz="1800" b="0" i="0" dirty="0">
-              <a:solidFill>
-                <a:srgbClr val="FFFFFF"/>
-              </a:solidFill>
-              <a:effectLst/>
-              <a:latin typeface="Courier New" panose="02070309020205020404" pitchFamily="49" charset="0"/>
-            </a:endParaRPr>
-          </a:p>
-          <a:p>
-            <a:r>
-              <a:rPr lang="fr-FR" sz="1800" b="0" i="0" dirty="0" err="1">
-                <a:solidFill>
-                  <a:srgbClr val="00B050"/>
-                </a:solidFill>
-                <a:effectLst/>
-                <a:latin typeface="Courier New" panose="02070309020205020404" pitchFamily="49" charset="0"/>
-              </a:rPr>
-              <a:t>johndoe</a:t>
-            </a:r>
-            <a:r>
-              <a:rPr lang="fr-FR" sz="1800" b="0" i="0" dirty="0">
-                <a:solidFill>
-                  <a:srgbClr val="FFFFFF"/>
-                </a:solidFill>
-                <a:effectLst/>
-                <a:latin typeface="Courier New" panose="02070309020205020404" pitchFamily="49" charset="0"/>
-              </a:rPr>
-              <a:t> </a:t>
-            </a:r>
-            <a:r>
-              <a:rPr lang="fr-FR" sz="1800" b="0" i="0" dirty="0">
-                <a:solidFill>
-                  <a:srgbClr val="FFFF00"/>
-                </a:solidFill>
-                <a:effectLst/>
-                <a:latin typeface="Courier New" panose="02070309020205020404" pitchFamily="49" charset="0"/>
-              </a:rPr>
-              <a:t>~/Documents</a:t>
-            </a:r>
-          </a:p>
-          <a:p>
-            <a:r>
-              <a:rPr lang="fr-FR" sz="1800" b="0" i="0" dirty="0">
-                <a:solidFill>
-                  <a:srgbClr val="FFFFFF"/>
-                </a:solidFill>
-                <a:effectLst/>
-                <a:latin typeface="Courier New" panose="02070309020205020404" pitchFamily="49" charset="0"/>
-              </a:rPr>
-              <a:t>$ cd Documents/</a:t>
-            </a:r>
-            <a:r>
-              <a:rPr lang="fr-FR" sz="1800" b="0" i="0" dirty="0" err="1">
-                <a:solidFill>
-                  <a:srgbClr val="FFFFFF"/>
-                </a:solidFill>
-                <a:effectLst/>
-                <a:latin typeface="Courier New" panose="02070309020205020404" pitchFamily="49" charset="0"/>
-              </a:rPr>
-              <a:t>PremierProjet</a:t>
-            </a:r>
-            <a:r>
-              <a:rPr lang="fr-FR" sz="1800" b="0" i="0" dirty="0">
-                <a:solidFill>
-                  <a:srgbClr val="FFFFFF"/>
-                </a:solidFill>
-                <a:effectLst/>
-                <a:latin typeface="Courier New" panose="02070309020205020404" pitchFamily="49" charset="0"/>
-              </a:rPr>
-              <a:t> </a:t>
-            </a:r>
-            <a:r>
-              <a:rPr lang="fr-FR" sz="1800" b="0" i="0" dirty="0">
-                <a:solidFill>
-                  <a:srgbClr val="00B0F0"/>
-                </a:solidFill>
-                <a:effectLst/>
-                <a:latin typeface="Courier New" panose="02070309020205020404" pitchFamily="49" charset="0"/>
-              </a:rPr>
-              <a:t>//Navigation dans nouveau dossier</a:t>
-            </a:r>
-            <a:endParaRPr lang="fr-FR" sz="1800" b="0" i="0" dirty="0">
-              <a:solidFill>
-                <a:srgbClr val="FFFFFF"/>
-              </a:solidFill>
-              <a:effectLst/>
-              <a:latin typeface="Courier New" panose="02070309020205020404" pitchFamily="49" charset="0"/>
-            </a:endParaRPr>
-          </a:p>
-          <a:p>
-            <a:r>
-              <a:rPr lang="fr-FR" sz="1800" b="0" i="0" dirty="0" err="1">
-                <a:solidFill>
-                  <a:srgbClr val="00B050"/>
-                </a:solidFill>
-                <a:effectLst/>
-                <a:latin typeface="Courier New" panose="02070309020205020404" pitchFamily="49" charset="0"/>
-              </a:rPr>
-              <a:t>johndoe</a:t>
-            </a:r>
-            <a:r>
-              <a:rPr lang="fr-FR" sz="1800" b="0" i="0" dirty="0">
-                <a:solidFill>
-                  <a:srgbClr val="FFFFFF"/>
-                </a:solidFill>
-                <a:effectLst/>
-                <a:latin typeface="Courier New" panose="02070309020205020404" pitchFamily="49" charset="0"/>
-              </a:rPr>
-              <a:t> </a:t>
-            </a:r>
-            <a:r>
-              <a:rPr lang="fr-FR" sz="1800" b="0" i="0" dirty="0">
-                <a:solidFill>
-                  <a:srgbClr val="FFFF00"/>
-                </a:solidFill>
-                <a:effectLst/>
-                <a:latin typeface="Courier New" panose="02070309020205020404" pitchFamily="49" charset="0"/>
-              </a:rPr>
-              <a:t>~/Documents/</a:t>
-            </a:r>
-            <a:r>
-              <a:rPr lang="fr-FR" sz="1800" b="0" i="0" dirty="0" err="1">
-                <a:solidFill>
-                  <a:srgbClr val="FFFF00"/>
-                </a:solidFill>
-                <a:effectLst/>
-                <a:latin typeface="Courier New" panose="02070309020205020404" pitchFamily="49" charset="0"/>
-              </a:rPr>
-              <a:t>PremierProjet</a:t>
-            </a:r>
-            <a:endParaRPr lang="fr-FR" sz="1800" b="0" i="0" dirty="0">
-              <a:solidFill>
-                <a:srgbClr val="FFFF00"/>
-              </a:solidFill>
-              <a:effectLst/>
-              <a:latin typeface="Courier New" panose="02070309020205020404" pitchFamily="49" charset="0"/>
-            </a:endParaRPr>
-          </a:p>
-          <a:p>
-            <a:r>
-              <a:rPr lang="fr-FR" sz="1800" b="0" i="0" dirty="0">
-                <a:solidFill>
-                  <a:srgbClr val="FFFFFF"/>
-                </a:solidFill>
-                <a:effectLst/>
-                <a:latin typeface="Courier New" panose="02070309020205020404" pitchFamily="49" charset="0"/>
-              </a:rPr>
-              <a:t>$ git init </a:t>
-            </a:r>
-            <a:r>
-              <a:rPr lang="fr-FR" sz="1800" b="0" i="0" dirty="0">
-                <a:solidFill>
-                  <a:srgbClr val="00B0F0"/>
-                </a:solidFill>
-                <a:effectLst/>
-                <a:latin typeface="Courier New" panose="02070309020205020404" pitchFamily="49" charset="0"/>
-              </a:rPr>
-              <a:t>//Initialisation du dépôt</a:t>
-            </a:r>
-            <a:endParaRPr lang="fr-FR" sz="1800" b="0" i="0" dirty="0">
-              <a:solidFill>
-                <a:srgbClr val="FFFFFF"/>
-              </a:solidFill>
-              <a:effectLst/>
-              <a:latin typeface="Courier New" panose="02070309020205020404" pitchFamily="49" charset="0"/>
-            </a:endParaRPr>
-          </a:p>
-          <a:p>
-            <a:r>
-              <a:rPr lang="fr-FR" sz="1800" b="0" i="0" dirty="0" err="1">
-                <a:solidFill>
-                  <a:srgbClr val="FFFFFF"/>
-                </a:solidFill>
-                <a:effectLst/>
-                <a:latin typeface="Courier New" panose="02070309020205020404" pitchFamily="49" charset="0"/>
-              </a:rPr>
-              <a:t>Initialized</a:t>
-            </a:r>
-            <a:r>
-              <a:rPr lang="fr-FR" sz="1800" b="0" i="0" dirty="0">
-                <a:solidFill>
-                  <a:srgbClr val="FFFFFF"/>
-                </a:solidFill>
-                <a:effectLst/>
-                <a:latin typeface="Courier New" panose="02070309020205020404" pitchFamily="49" charset="0"/>
-              </a:rPr>
-              <a:t> </a:t>
-            </a:r>
-            <a:r>
-              <a:rPr lang="fr-FR" sz="1800" b="0" i="0" dirty="0" err="1">
-                <a:solidFill>
-                  <a:srgbClr val="FFFFFF"/>
-                </a:solidFill>
-                <a:effectLst/>
-                <a:latin typeface="Courier New" panose="02070309020205020404" pitchFamily="49" charset="0"/>
-              </a:rPr>
-              <a:t>empty</a:t>
-            </a:r>
-            <a:r>
-              <a:rPr lang="fr-FR" sz="1800" b="0" i="0" dirty="0">
-                <a:solidFill>
-                  <a:srgbClr val="FFFFFF"/>
-                </a:solidFill>
-                <a:effectLst/>
-                <a:latin typeface="Courier New" panose="02070309020205020404" pitchFamily="49" charset="0"/>
-              </a:rPr>
-              <a:t> Git repository in c:/users/JohnDoe/Documents/PremierProjet/</a:t>
-            </a:r>
-          </a:p>
-          <a:p>
-            <a:r>
-              <a:rPr lang="fr-FR" sz="1800" b="0" i="0" dirty="0" err="1">
-                <a:solidFill>
-                  <a:srgbClr val="00B050"/>
-                </a:solidFill>
-                <a:effectLst/>
-                <a:latin typeface="Courier New" panose="02070309020205020404" pitchFamily="49" charset="0"/>
-              </a:rPr>
-              <a:t>johndoe</a:t>
-            </a:r>
-            <a:r>
-              <a:rPr lang="fr-FR" sz="1800" b="0" i="0" dirty="0">
-                <a:solidFill>
-                  <a:srgbClr val="FFFFFF"/>
-                </a:solidFill>
-                <a:effectLst/>
-                <a:latin typeface="Courier New" panose="02070309020205020404" pitchFamily="49" charset="0"/>
-              </a:rPr>
-              <a:t> </a:t>
-            </a:r>
-            <a:r>
-              <a:rPr lang="fr-FR" sz="1800" b="0" i="0" dirty="0">
-                <a:solidFill>
-                  <a:srgbClr val="FFFF00"/>
-                </a:solidFill>
-                <a:effectLst/>
-                <a:latin typeface="Courier New" panose="02070309020205020404" pitchFamily="49" charset="0"/>
-              </a:rPr>
-              <a:t>~/Documents/</a:t>
-            </a:r>
-            <a:r>
-              <a:rPr lang="fr-FR" sz="1800" b="0" i="0" dirty="0" err="1">
-                <a:solidFill>
-                  <a:srgbClr val="FFFF00"/>
-                </a:solidFill>
-                <a:effectLst/>
-                <a:latin typeface="Courier New" panose="02070309020205020404" pitchFamily="49" charset="0"/>
-              </a:rPr>
-              <a:t>PremierProjet</a:t>
-            </a:r>
-            <a:r>
-              <a:rPr lang="fr-FR" sz="1800" b="0" i="0" dirty="0">
-                <a:solidFill>
-                  <a:srgbClr val="FFFF00"/>
-                </a:solidFill>
-                <a:effectLst/>
-                <a:latin typeface="Courier New" panose="02070309020205020404" pitchFamily="49" charset="0"/>
-              </a:rPr>
-              <a:t> </a:t>
-            </a:r>
-            <a:r>
-              <a:rPr lang="fr-FR" sz="1800" b="0" i="0" dirty="0">
-                <a:solidFill>
-                  <a:schemeClr val="accent2">
-                    <a:lumMod val="60000"/>
-                    <a:lumOff val="40000"/>
-                  </a:schemeClr>
-                </a:solidFill>
-                <a:effectLst/>
-                <a:latin typeface="Courier New" panose="02070309020205020404" pitchFamily="49" charset="0"/>
-              </a:rPr>
-              <a:t>(master)</a:t>
-            </a:r>
-          </a:p>
-          <a:p>
-            <a:r>
-              <a:rPr lang="fr-FR" sz="1800" b="0" i="0" dirty="0">
-                <a:solidFill>
-                  <a:srgbClr val="FFFFFF"/>
-                </a:solidFill>
-                <a:effectLst/>
-                <a:latin typeface="Courier New" panose="02070309020205020404" pitchFamily="49" charset="0"/>
-              </a:rPr>
-              <a:t>$ </a:t>
-            </a:r>
-            <a:r>
-              <a:rPr lang="fr-FR" sz="1800" b="0" i="0" dirty="0" err="1">
-                <a:solidFill>
-                  <a:srgbClr val="FFFFFF"/>
-                </a:solidFill>
-                <a:effectLst/>
-                <a:latin typeface="Courier New" panose="02070309020205020404" pitchFamily="49" charset="0"/>
-              </a:rPr>
-              <a:t>touch</a:t>
-            </a:r>
-            <a:r>
-              <a:rPr lang="fr-FR" sz="1800" b="0" i="0" dirty="0">
-                <a:solidFill>
-                  <a:srgbClr val="FFFFFF"/>
-                </a:solidFill>
-                <a:effectLst/>
-                <a:latin typeface="Courier New" panose="02070309020205020404" pitchFamily="49" charset="0"/>
-              </a:rPr>
-              <a:t> monPiremierFichier.txt </a:t>
-            </a:r>
-            <a:r>
-              <a:rPr lang="fr-FR" sz="1800" b="0" i="0" dirty="0">
-                <a:solidFill>
-                  <a:srgbClr val="00B0F0"/>
-                </a:solidFill>
-                <a:effectLst/>
-                <a:latin typeface="Courier New" panose="02070309020205020404" pitchFamily="49" charset="0"/>
-              </a:rPr>
-              <a:t>//Création fichier txt</a:t>
-            </a:r>
-          </a:p>
-          <a:p>
-            <a:r>
-              <a:rPr lang="fr-FR" sz="1800" b="0" i="0" dirty="0" err="1">
-                <a:solidFill>
-                  <a:srgbClr val="00B050"/>
-                </a:solidFill>
-                <a:effectLst/>
-                <a:latin typeface="Courier New" panose="02070309020205020404" pitchFamily="49" charset="0"/>
-              </a:rPr>
-              <a:t>johndoe</a:t>
-            </a:r>
-            <a:r>
-              <a:rPr lang="fr-FR" sz="1800" b="0" i="0" dirty="0">
-                <a:solidFill>
-                  <a:srgbClr val="FFFFFF"/>
-                </a:solidFill>
-                <a:effectLst/>
-                <a:latin typeface="Courier New" panose="02070309020205020404" pitchFamily="49" charset="0"/>
-              </a:rPr>
-              <a:t> </a:t>
-            </a:r>
-            <a:r>
-              <a:rPr lang="fr-FR" sz="1800" b="0" i="0" dirty="0">
-                <a:solidFill>
-                  <a:srgbClr val="FFFF00"/>
-                </a:solidFill>
-                <a:effectLst/>
-                <a:latin typeface="Courier New" panose="02070309020205020404" pitchFamily="49" charset="0"/>
-              </a:rPr>
-              <a:t>~/Documents/</a:t>
-            </a:r>
-            <a:r>
-              <a:rPr lang="fr-FR" sz="1800" b="0" i="0" dirty="0" err="1">
-                <a:solidFill>
-                  <a:srgbClr val="FFFF00"/>
-                </a:solidFill>
-                <a:effectLst/>
-                <a:latin typeface="Courier New" panose="02070309020205020404" pitchFamily="49" charset="0"/>
-              </a:rPr>
-              <a:t>PremierProjet</a:t>
-            </a:r>
-            <a:r>
-              <a:rPr lang="fr-FR" sz="1800" b="0" i="0" dirty="0">
-                <a:solidFill>
-                  <a:srgbClr val="FFFF00"/>
-                </a:solidFill>
-                <a:effectLst/>
-                <a:latin typeface="Courier New" panose="02070309020205020404" pitchFamily="49" charset="0"/>
-              </a:rPr>
-              <a:t> </a:t>
-            </a:r>
-            <a:r>
-              <a:rPr lang="fr-FR" sz="1800" b="0" i="0" dirty="0">
-                <a:solidFill>
-                  <a:schemeClr val="accent2">
-                    <a:lumMod val="60000"/>
-                    <a:lumOff val="40000"/>
-                  </a:schemeClr>
-                </a:solidFill>
-                <a:effectLst/>
-                <a:latin typeface="Courier New" panose="02070309020205020404" pitchFamily="49" charset="0"/>
-              </a:rPr>
-              <a:t>(master)</a:t>
-            </a:r>
-            <a:endParaRPr lang="fr-FR" sz="1800" b="0" i="0" dirty="0">
-              <a:solidFill>
-                <a:srgbClr val="FFFF00"/>
-              </a:solidFill>
-              <a:effectLst/>
-              <a:latin typeface="Courier New" panose="02070309020205020404" pitchFamily="49" charset="0"/>
-            </a:endParaRPr>
-          </a:p>
-          <a:p>
-            <a:r>
-              <a:rPr lang="fr-FR" sz="1800" b="0" i="0" dirty="0">
-                <a:solidFill>
-                  <a:srgbClr val="FFFFFF"/>
-                </a:solidFill>
-                <a:effectLst/>
-                <a:latin typeface="Courier New" panose="02070309020205020404" pitchFamily="49" charset="0"/>
-              </a:rPr>
-              <a:t>$ git commit </a:t>
-            </a:r>
-            <a:r>
-              <a:rPr lang="fr-FR" sz="1800" b="0" i="0" dirty="0">
-                <a:solidFill>
-                  <a:srgbClr val="00B0F0"/>
-                </a:solidFill>
-                <a:effectLst/>
-                <a:latin typeface="Courier New" panose="02070309020205020404" pitchFamily="49" charset="0"/>
-              </a:rPr>
-              <a:t>//sauvegarde de la version (repo)</a:t>
-            </a:r>
-            <a:endParaRPr lang="fr-FR" sz="1800" dirty="0"/>
-          </a:p>
-          <a:p>
-            <a:endParaRPr lang="fr-FR" sz="1800" dirty="0"/>
           </a:p>
         </p:txBody>
       </p:sp>
@@ -17164,95 +17428,6 @@
           <a:chExt cx="0" cy="0"/>
         </a:xfrm>
       </p:grpSpPr>
-      <p:sp>
-        <p:nvSpPr>
-          <p:cNvPr id="2" name="Titre 1">
-            <a:extLst>
-              <a:ext uri="{FF2B5EF4-FFF2-40B4-BE49-F238E27FC236}">
-                <a16:creationId xmlns:a16="http://schemas.microsoft.com/office/drawing/2014/main" id="{943ED34C-BB50-6E1C-EF0C-36ABE7323345}"/>
-              </a:ext>
-            </a:extLst>
-          </p:cNvPr>
-          <p:cNvSpPr>
-            <a:spLocks noGrp="1"/>
-          </p:cNvSpPr>
-          <p:nvPr>
-            <p:ph type="title"/>
-          </p:nvPr>
-        </p:nvSpPr>
-        <p:spPr>
-          <a:xfrm>
-            <a:off x="905692" y="0"/>
-            <a:ext cx="10515600" cy="1325563"/>
-          </a:xfrm>
-        </p:spPr>
-        <p:txBody>
-          <a:bodyPr>
-            <a:normAutofit/>
-          </a:bodyPr>
-          <a:lstStyle/>
-          <a:p>
-            <a:r>
-              <a:rPr lang="fr-FR" sz="3600" dirty="0"/>
-              <a:t>Comment gérer ses erreurs dans Git ?</a:t>
-            </a:r>
-          </a:p>
-        </p:txBody>
-      </p:sp>
-      <p:sp>
-        <p:nvSpPr>
-          <p:cNvPr id="5" name="Titre 1">
-            <a:extLst>
-              <a:ext uri="{FF2B5EF4-FFF2-40B4-BE49-F238E27FC236}">
-                <a16:creationId xmlns:a16="http://schemas.microsoft.com/office/drawing/2014/main" id="{53245AB4-99C1-398F-CD7E-8D9F6575A78F}"/>
-              </a:ext>
-            </a:extLst>
-          </p:cNvPr>
-          <p:cNvSpPr txBox="1">
-            <a:spLocks/>
-          </p:cNvSpPr>
-          <p:nvPr/>
-        </p:nvSpPr>
-        <p:spPr>
-          <a:xfrm>
-            <a:off x="265611" y="857795"/>
-            <a:ext cx="10515600" cy="1325563"/>
-          </a:xfrm>
-          <a:prstGeom prst="rect">
-            <a:avLst/>
-          </a:prstGeom>
-        </p:spPr>
-        <p:txBody>
-          <a:bodyPr vert="horz" lIns="91440" tIns="45720" rIns="91440" bIns="45720" rtlCol="0" anchor="ctr">
-            <a:normAutofit/>
-          </a:bodyPr>
-          <a:lstStyle>
-            <a:lvl1pPr algn="l" defTabSz="914400" rtl="0" eaLnBrk="1" latinLnBrk="0" hangingPunct="1">
-              <a:lnSpc>
-                <a:spcPct val="90000"/>
-              </a:lnSpc>
-              <a:spcBef>
-                <a:spcPct val="0"/>
-              </a:spcBef>
-              <a:buNone/>
-              <a:defRPr sz="4400" kern="1200">
-                <a:solidFill>
-                  <a:schemeClr val="tx1"/>
-                </a:solidFill>
-                <a:latin typeface="+mj-lt"/>
-                <a:ea typeface="+mj-ea"/>
-                <a:cs typeface="+mj-cs"/>
-              </a:defRPr>
-            </a:lvl1pPr>
-          </a:lstStyle>
-          <a:p>
-            <a:r>
-              <a:rPr lang="fr-FR" sz="2400" u="sng" dirty="0"/>
-              <a:t>J’ai oublier mon message lors du commit</a:t>
-            </a:r>
-          </a:p>
-        </p:txBody>
-      </p:sp>
       <p:pic>
         <p:nvPicPr>
           <p:cNvPr id="1026" name="Picture 2">
@@ -17643,6 +17818,95 @@
               </a:solidFill>
               <a:effectLst/>
             </a:endParaRPr>
+          </a:p>
+        </p:txBody>
+      </p:sp>
+      <p:sp>
+        <p:nvSpPr>
+          <p:cNvPr id="9" name="Titre 1">
+            <a:extLst>
+              <a:ext uri="{FF2B5EF4-FFF2-40B4-BE49-F238E27FC236}">
+                <a16:creationId xmlns:a16="http://schemas.microsoft.com/office/drawing/2014/main" id="{AFDD433B-F937-E1AD-B7B2-A36CA7E06ACA}"/>
+              </a:ext>
+            </a:extLst>
+          </p:cNvPr>
+          <p:cNvSpPr>
+            <a:spLocks noGrp="1"/>
+          </p:cNvSpPr>
+          <p:nvPr>
+            <p:ph type="title"/>
+          </p:nvPr>
+        </p:nvSpPr>
+        <p:spPr>
+          <a:xfrm>
+            <a:off x="905692" y="0"/>
+            <a:ext cx="10515600" cy="1325563"/>
+          </a:xfrm>
+        </p:spPr>
+        <p:txBody>
+          <a:bodyPr>
+            <a:normAutofit/>
+          </a:bodyPr>
+          <a:lstStyle/>
+          <a:p>
+            <a:r>
+              <a:rPr lang="fr-FR" sz="3600" dirty="0"/>
+              <a:t>Comment gérer ses erreurs dans Git ?</a:t>
+            </a:r>
+          </a:p>
+        </p:txBody>
+      </p:sp>
+      <p:sp>
+        <p:nvSpPr>
+          <p:cNvPr id="11" name="Titre 1">
+            <a:extLst>
+              <a:ext uri="{FF2B5EF4-FFF2-40B4-BE49-F238E27FC236}">
+                <a16:creationId xmlns:a16="http://schemas.microsoft.com/office/drawing/2014/main" id="{734F3402-F1C9-8E1E-E577-1581977F9EF9}"/>
+              </a:ext>
+            </a:extLst>
+          </p:cNvPr>
+          <p:cNvSpPr txBox="1">
+            <a:spLocks/>
+          </p:cNvSpPr>
+          <p:nvPr/>
+        </p:nvSpPr>
+        <p:spPr>
+          <a:xfrm>
+            <a:off x="265611" y="857795"/>
+            <a:ext cx="10515600" cy="1325563"/>
+          </a:xfrm>
+          <a:prstGeom prst="rect">
+            <a:avLst/>
+          </a:prstGeom>
+        </p:spPr>
+        <p:txBody>
+          <a:bodyPr vert="horz" lIns="91440" tIns="45720" rIns="91440" bIns="45720" rtlCol="0" anchor="ctr">
+            <a:normAutofit/>
+          </a:bodyPr>
+          <a:lstStyle>
+            <a:lvl1pPr algn="l" defTabSz="914400" rtl="0" eaLnBrk="1" latinLnBrk="0" hangingPunct="1">
+              <a:lnSpc>
+                <a:spcPct val="90000"/>
+              </a:lnSpc>
+              <a:spcBef>
+                <a:spcPct val="0"/>
+              </a:spcBef>
+              <a:buNone/>
+              <a:defRPr sz="4400" kern="1200">
+                <a:solidFill>
+                  <a:schemeClr val="tx1"/>
+                </a:solidFill>
+                <a:latin typeface="+mj-lt"/>
+                <a:ea typeface="+mj-ea"/>
+                <a:cs typeface="+mj-cs"/>
+              </a:defRPr>
+            </a:lvl1pPr>
+          </a:lstStyle>
+          <a:p>
+            <a:r>
+              <a:rPr lang="fr-FR" sz="2400" u="sng" dirty="0"/>
+              <a:t>J’ai oublier mon message lors du commit</a:t>
+            </a:r>
           </a:p>
         </p:txBody>
       </p:sp>

--- a/Cours/BUT3-Cours2.pptx
+++ b/Cours/BUT3-Cours2.pptx
@@ -722,7 +722,7 @@
   <pc:docChgLst>
     <pc:chgData name="Benjamin Robert" userId="bdf697ffd98a8826" providerId="LiveId" clId="{BAE0B02E-EB89-4593-87A8-4EFD4697154C}"/>
     <pc:docChg chg="undo custSel modSld">
-      <pc:chgData name="Benjamin Robert" userId="bdf697ffd98a8826" providerId="LiveId" clId="{BAE0B02E-EB89-4593-87A8-4EFD4697154C}" dt="2024-11-01T16:42:58.712" v="33"/>
+      <pc:chgData name="Benjamin Robert" userId="bdf697ffd98a8826" providerId="LiveId" clId="{BAE0B02E-EB89-4593-87A8-4EFD4697154C}" dt="2024-11-13T16:42:56.126" v="45" actId="1076"/>
       <pc:docMkLst>
         <pc:docMk/>
       </pc:docMkLst>
@@ -991,6 +991,21 @@
           </ac:spMkLst>
         </pc:spChg>
       </pc:sldChg>
+      <pc:sldChg chg="addSp modSp mod">
+        <pc:chgData name="Benjamin Robert" userId="bdf697ffd98a8826" providerId="LiveId" clId="{BAE0B02E-EB89-4593-87A8-4EFD4697154C}" dt="2024-11-13T16:42:56.126" v="45" actId="1076"/>
+        <pc:sldMkLst>
+          <pc:docMk/>
+          <pc:sldMk cId="102400149" sldId="285"/>
+        </pc:sldMkLst>
+        <pc:spChg chg="add mod">
+          <ac:chgData name="Benjamin Robert" userId="bdf697ffd98a8826" providerId="LiveId" clId="{BAE0B02E-EB89-4593-87A8-4EFD4697154C}" dt="2024-11-13T16:42:56.126" v="45" actId="1076"/>
+          <ac:spMkLst>
+            <pc:docMk/>
+            <pc:sldMk cId="102400149" sldId="285"/>
+            <ac:spMk id="3" creationId="{4492CAFD-055C-71C9-49E6-B601EDC86D9E}"/>
+          </ac:spMkLst>
+        </pc:spChg>
+      </pc:sldChg>
     </pc:docChg>
   </pc:docChgLst>
 </pc:chgInfo>
@@ -1143,7 +1158,7 @@
           <a:p>
             <a:fld id="{324681DF-B029-4FEC-BAF0-BCA82235DDD4}" type="datetimeFigureOut">
               <a:rPr lang="fr-FR" smtClean="0"/>
-              <a:t>01/11/2024</a:t>
+              <a:t>13/11/2024</a:t>
             </a:fld>
             <a:endParaRPr lang="fr-FR"/>
           </a:p>
@@ -1341,7 +1356,7 @@
           <a:p>
             <a:fld id="{324681DF-B029-4FEC-BAF0-BCA82235DDD4}" type="datetimeFigureOut">
               <a:rPr lang="fr-FR" smtClean="0"/>
-              <a:t>01/11/2024</a:t>
+              <a:t>13/11/2024</a:t>
             </a:fld>
             <a:endParaRPr lang="fr-FR"/>
           </a:p>
@@ -1549,7 +1564,7 @@
           <a:p>
             <a:fld id="{324681DF-B029-4FEC-BAF0-BCA82235DDD4}" type="datetimeFigureOut">
               <a:rPr lang="fr-FR" smtClean="0"/>
-              <a:t>01/11/2024</a:t>
+              <a:t>13/11/2024</a:t>
             </a:fld>
             <a:endParaRPr lang="fr-FR"/>
           </a:p>
@@ -1747,7 +1762,7 @@
           <a:p>
             <a:fld id="{324681DF-B029-4FEC-BAF0-BCA82235DDD4}" type="datetimeFigureOut">
               <a:rPr lang="fr-FR" smtClean="0"/>
-              <a:t>01/11/2024</a:t>
+              <a:t>13/11/2024</a:t>
             </a:fld>
             <a:endParaRPr lang="fr-FR"/>
           </a:p>
@@ -2022,7 +2037,7 @@
           <a:p>
             <a:fld id="{324681DF-B029-4FEC-BAF0-BCA82235DDD4}" type="datetimeFigureOut">
               <a:rPr lang="fr-FR" smtClean="0"/>
-              <a:t>01/11/2024</a:t>
+              <a:t>13/11/2024</a:t>
             </a:fld>
             <a:endParaRPr lang="fr-FR"/>
           </a:p>
@@ -2287,7 +2302,7 @@
           <a:p>
             <a:fld id="{324681DF-B029-4FEC-BAF0-BCA82235DDD4}" type="datetimeFigureOut">
               <a:rPr lang="fr-FR" smtClean="0"/>
-              <a:t>01/11/2024</a:t>
+              <a:t>13/11/2024</a:t>
             </a:fld>
             <a:endParaRPr lang="fr-FR"/>
           </a:p>
@@ -2699,7 +2714,7 @@
           <a:p>
             <a:fld id="{324681DF-B029-4FEC-BAF0-BCA82235DDD4}" type="datetimeFigureOut">
               <a:rPr lang="fr-FR" smtClean="0"/>
-              <a:t>01/11/2024</a:t>
+              <a:t>13/11/2024</a:t>
             </a:fld>
             <a:endParaRPr lang="fr-FR"/>
           </a:p>
@@ -2840,7 +2855,7 @@
           <a:p>
             <a:fld id="{324681DF-B029-4FEC-BAF0-BCA82235DDD4}" type="datetimeFigureOut">
               <a:rPr lang="fr-FR" smtClean="0"/>
-              <a:t>01/11/2024</a:t>
+              <a:t>13/11/2024</a:t>
             </a:fld>
             <a:endParaRPr lang="fr-FR"/>
           </a:p>
@@ -2953,7 +2968,7 @@
           <a:p>
             <a:fld id="{324681DF-B029-4FEC-BAF0-BCA82235DDD4}" type="datetimeFigureOut">
               <a:rPr lang="fr-FR" smtClean="0"/>
-              <a:t>01/11/2024</a:t>
+              <a:t>13/11/2024</a:t>
             </a:fld>
             <a:endParaRPr lang="fr-FR"/>
           </a:p>
@@ -3264,7 +3279,7 @@
           <a:p>
             <a:fld id="{324681DF-B029-4FEC-BAF0-BCA82235DDD4}" type="datetimeFigureOut">
               <a:rPr lang="fr-FR" smtClean="0"/>
-              <a:t>01/11/2024</a:t>
+              <a:t>13/11/2024</a:t>
             </a:fld>
             <a:endParaRPr lang="fr-FR"/>
           </a:p>
@@ -3552,7 +3567,7 @@
           <a:p>
             <a:fld id="{324681DF-B029-4FEC-BAF0-BCA82235DDD4}" type="datetimeFigureOut">
               <a:rPr lang="fr-FR" smtClean="0"/>
-              <a:t>01/11/2024</a:t>
+              <a:t>13/11/2024</a:t>
             </a:fld>
             <a:endParaRPr lang="fr-FR"/>
           </a:p>
@@ -3793,7 +3808,7 @@
           <a:p>
             <a:fld id="{324681DF-B029-4FEC-BAF0-BCA82235DDD4}" type="datetimeFigureOut">
               <a:rPr lang="fr-FR" smtClean="0"/>
-              <a:t>01/11/2024</a:t>
+              <a:t>13/11/2024</a:t>
             </a:fld>
             <a:endParaRPr lang="fr-FR"/>
           </a:p>
@@ -15151,6 +15166,41 @@
           <a:chExt cx="0" cy="0"/>
         </a:xfrm>
       </p:grpSpPr>
+      <p:sp>
+        <p:nvSpPr>
+          <p:cNvPr id="3" name="ZoneTexte 2">
+            <a:extLst>
+              <a:ext uri="{FF2B5EF4-FFF2-40B4-BE49-F238E27FC236}">
+                <a16:creationId xmlns:a16="http://schemas.microsoft.com/office/drawing/2014/main" id="{4492CAFD-055C-71C9-49E6-B601EDC86D9E}"/>
+              </a:ext>
+            </a:extLst>
+          </p:cNvPr>
+          <p:cNvSpPr txBox="1"/>
+          <p:nvPr/>
+        </p:nvSpPr>
+        <p:spPr>
+          <a:xfrm>
+            <a:off x="426719" y="3100251"/>
+            <a:ext cx="11599817" cy="769441"/>
+          </a:xfrm>
+          <a:prstGeom prst="rect">
+            <a:avLst/>
+          </a:prstGeom>
+          <a:noFill/>
+        </p:spPr>
+        <p:txBody>
+          <a:bodyPr wrap="square">
+            <a:spAutoFit/>
+          </a:bodyPr>
+          <a:lstStyle/>
+          <a:p>
+            <a:r>
+              <a:rPr lang="fr-FR" sz="4400" dirty="0"/>
+              <a:t>https://github.com/BenRobert38/BUT3-GIT-2024</a:t>
+            </a:r>
+          </a:p>
+        </p:txBody>
+      </p:sp>
     </p:spTree>
     <p:extLst>
       <p:ext uri="{BB962C8B-B14F-4D97-AF65-F5344CB8AC3E}">
